--- a/Slides/ggl004-Textures.pptx
+++ b/Slides/ggl004-Textures.pptx
@@ -232,7 +232,7 @@
             <a:fld id="{C0D025BB-35D5-419D-8ED2-E5EDB67F143A}" type="datetimeFigureOut">
               <a:rPr lang="en-US" smtClean="0"/>
               <a:pPr/>
-              <a:t>9/30/2020</a:t>
+              <a:t>10/3/2021</a:t>
             </a:fld>
             <a:endParaRPr lang="en-US"/>
           </a:p>
@@ -2532,38 +2532,38 @@
               <a:buNone/>
             </a:pPr>
             <a:r>
-              <a:rPr lang="en-US" dirty="0" smtClean="0"/>
+              <a:rPr lang="en-US" dirty="0"/>
               <a:t>A </a:t>
             </a:r>
             <a:r>
-              <a:rPr lang="en-US" dirty="0" err="1" smtClean="0"/>
+              <a:rPr lang="en-US" dirty="0" err="1"/>
               <a:t>ShadedMesh</a:t>
             </a:r>
             <a:r>
-              <a:rPr lang="en-US" dirty="0" smtClean="0"/>
+              <a:rPr lang="en-US" dirty="0"/>
               <a:t> Material-ja</a:t>
             </a:r>
             <a:r>
-              <a:rPr lang="en-US" baseline="0" dirty="0" smtClean="0"/>
-              <a:t> </a:t>
-            </a:r>
-            <a:r>
-              <a:rPr lang="en-US" baseline="0" dirty="0" err="1" smtClean="0"/>
+              <a:rPr lang="en-US" baseline="0" dirty="0"/>
+              <a:t> </a:t>
+            </a:r>
+            <a:r>
+              <a:rPr lang="en-US" baseline="0" dirty="0" err="1"/>
               <a:t>mindent</a:t>
             </a:r>
             <a:r>
-              <a:rPr lang="en-US" baseline="0" dirty="0" smtClean="0"/>
-              <a:t> </a:t>
-            </a:r>
-            <a:r>
-              <a:rPr lang="en-US" baseline="0" dirty="0" err="1" smtClean="0"/>
+              <a:rPr lang="en-US" baseline="0" dirty="0"/>
+              <a:t> </a:t>
+            </a:r>
+            <a:r>
+              <a:rPr lang="en-US" baseline="0" dirty="0" err="1"/>
               <a:t>elint</a:t>
             </a:r>
             <a:r>
-              <a:rPr lang="hu-HU" baseline="0" dirty="0" smtClean="0"/>
+              <a:rPr lang="hu-HU" baseline="0" dirty="0"/>
               <a:t>éz</a:t>
             </a:r>
-            <a:endParaRPr lang="en-US" dirty="0" smtClean="0"/>
+            <a:endParaRPr lang="en-US" dirty="0"/>
           </a:p>
           <a:p>
             <a:pPr marL="0" indent="0">
@@ -2678,11 +2678,11 @@
               <a:t> </a:t>
             </a:r>
             <a:r>
-              <a:rPr lang="en-US" dirty="0" err="1" smtClean="0"/>
+              <a:rPr lang="en-US" dirty="0" err="1"/>
               <a:t>függvény</a:t>
             </a:r>
             <a:r>
-              <a:rPr lang="en-US" dirty="0" smtClean="0"/>
+              <a:rPr lang="en-US" dirty="0"/>
               <a:t> </a:t>
             </a:r>
             <a:r>
@@ -2730,15 +2730,15 @@
               <a:t>át</a:t>
             </a:r>
             <a:r>
-              <a:rPr lang="en-US" dirty="0" smtClean="0"/>
+              <a:rPr lang="en-US" dirty="0"/>
               <a:t>,</a:t>
             </a:r>
             <a:r>
-              <a:rPr lang="hu-HU" dirty="0" smtClean="0"/>
-              <a:t> </a:t>
-            </a:r>
-            <a:r>
-              <a:rPr lang="en-US" dirty="0" smtClean="0"/>
+              <a:rPr lang="hu-HU" dirty="0"/>
+              <a:t> </a:t>
+            </a:r>
+            <a:r>
+              <a:rPr lang="en-US" dirty="0"/>
               <a:t>de </a:t>
             </a:r>
             <a:r>
@@ -3049,15 +3049,15 @@
               <a:buNone/>
             </a:pPr>
             <a:r>
-              <a:rPr lang="en-US" dirty="0" smtClean="0"/>
+              <a:rPr lang="en-US" dirty="0"/>
               <a:t>Root Signature </a:t>
             </a:r>
             <a:r>
-              <a:rPr lang="en-US" dirty="0" err="1" smtClean="0"/>
+              <a:rPr lang="en-US" dirty="0" err="1"/>
               <a:t>kitérő</a:t>
             </a:r>
             <a:r>
-              <a:rPr lang="en-US" dirty="0" smtClean="0"/>
+              <a:rPr lang="en-US" dirty="0"/>
               <a:t>:</a:t>
             </a:r>
           </a:p>
@@ -3067,467 +3067,467 @@
               <a:buNone/>
             </a:pPr>
             <a:r>
-              <a:rPr lang="en-US" dirty="0" err="1" smtClean="0"/>
+              <a:rPr lang="en-US" dirty="0" err="1"/>
               <a:t>Elnevezések</a:t>
             </a:r>
             <a:r>
-              <a:rPr lang="en-US" dirty="0" smtClean="0"/>
-              <a:t> </a:t>
-            </a:r>
-            <a:r>
-              <a:rPr lang="en-US" dirty="0" err="1" smtClean="0"/>
+              <a:rPr lang="en-US" dirty="0"/>
+              <a:t> </a:t>
+            </a:r>
+            <a:r>
+              <a:rPr lang="en-US" dirty="0" err="1"/>
               <a:t>rendbetételeként</a:t>
             </a:r>
             <a:r>
-              <a:rPr lang="en-US" dirty="0" smtClean="0"/>
+              <a:rPr lang="en-US" dirty="0"/>
               <a:t>, a root signature </a:t>
             </a:r>
             <a:r>
-              <a:rPr lang="en-US" dirty="0" err="1" smtClean="0"/>
+              <a:rPr lang="en-US" dirty="0" err="1"/>
               <a:t>az</a:t>
             </a:r>
             <a:r>
-              <a:rPr lang="en-US" dirty="0" smtClean="0"/>
-              <a:t> </a:t>
-            </a:r>
-            <a:r>
-              <a:rPr lang="en-US" dirty="0" err="1" smtClean="0"/>
+              <a:rPr lang="en-US" dirty="0"/>
+              <a:t> </a:t>
+            </a:r>
+            <a:r>
+              <a:rPr lang="en-US" dirty="0" err="1"/>
               <a:t>nem</a:t>
             </a:r>
             <a:r>
-              <a:rPr lang="en-US" dirty="0" smtClean="0"/>
-              <a:t> </a:t>
-            </a:r>
-            <a:r>
-              <a:rPr lang="en-US" dirty="0" err="1" smtClean="0"/>
+              <a:rPr lang="en-US" dirty="0"/>
+              <a:t> </a:t>
+            </a:r>
+            <a:r>
+              <a:rPr lang="en-US" dirty="0" err="1"/>
               <a:t>más</a:t>
             </a:r>
             <a:r>
-              <a:rPr lang="en-US" dirty="0" smtClean="0"/>
+              <a:rPr lang="en-US" dirty="0"/>
               <a:t> mint </a:t>
             </a:r>
             <a:r>
-              <a:rPr lang="en-US" dirty="0" err="1" smtClean="0"/>
+              <a:rPr lang="en-US" dirty="0" err="1"/>
               <a:t>egy</a:t>
             </a:r>
             <a:r>
-              <a:rPr lang="en-US" dirty="0" smtClean="0"/>
-              <a:t> </a:t>
-            </a:r>
-            <a:r>
-              <a:rPr lang="en-US" dirty="0" err="1" smtClean="0"/>
+              <a:rPr lang="en-US" dirty="0"/>
+              <a:t> </a:t>
+            </a:r>
+            <a:r>
+              <a:rPr lang="en-US" dirty="0" err="1"/>
               <a:t>leírása</a:t>
             </a:r>
             <a:r>
-              <a:rPr lang="en-US" dirty="0" smtClean="0"/>
-              <a:t> </a:t>
-            </a:r>
-            <a:r>
-              <a:rPr lang="en-US" dirty="0" err="1" smtClean="0"/>
+              <a:rPr lang="en-US" dirty="0"/>
+              <a:t> </a:t>
+            </a:r>
+            <a:r>
+              <a:rPr lang="en-US" dirty="0" err="1"/>
               <a:t>annak</a:t>
             </a:r>
             <a:r>
-              <a:rPr lang="en-US" dirty="0" smtClean="0"/>
+              <a:rPr lang="en-US" dirty="0"/>
               <a:t>, </a:t>
             </a:r>
             <a:r>
-              <a:rPr lang="en-US" dirty="0" err="1" smtClean="0"/>
+              <a:rPr lang="en-US" dirty="0" err="1"/>
               <a:t>hogy</a:t>
             </a:r>
             <a:r>
-              <a:rPr lang="en-US" dirty="0" smtClean="0"/>
-              <a:t> </a:t>
-            </a:r>
-            <a:r>
-              <a:rPr lang="en-US" dirty="0" err="1" smtClean="0"/>
+              <a:rPr lang="en-US" dirty="0"/>
+              <a:t> </a:t>
+            </a:r>
+            <a:r>
+              <a:rPr lang="en-US" dirty="0" err="1"/>
               <a:t>milyen</a:t>
             </a:r>
             <a:r>
-              <a:rPr lang="en-US" dirty="0" smtClean="0"/>
-              <a:t> </a:t>
-            </a:r>
-            <a:r>
-              <a:rPr lang="en-US" dirty="0" err="1" smtClean="0"/>
+              <a:rPr lang="en-US" dirty="0"/>
+              <a:t> </a:t>
+            </a:r>
+            <a:r>
+              <a:rPr lang="en-US" dirty="0" err="1"/>
               <a:t>paramétereket</a:t>
             </a:r>
             <a:r>
-              <a:rPr lang="en-US" dirty="0" smtClean="0"/>
-              <a:t> </a:t>
-            </a:r>
-            <a:r>
-              <a:rPr lang="en-US" dirty="0" err="1" smtClean="0"/>
+              <a:rPr lang="en-US" dirty="0"/>
+              <a:t> </a:t>
+            </a:r>
+            <a:r>
+              <a:rPr lang="en-US" dirty="0" err="1"/>
               <a:t>várunk</a:t>
             </a:r>
             <a:r>
-              <a:rPr lang="en-US" dirty="0" smtClean="0"/>
+              <a:rPr lang="en-US" dirty="0"/>
               <a:t>. </a:t>
             </a:r>
             <a:r>
-              <a:rPr lang="en-US" dirty="0" err="1" smtClean="0"/>
+              <a:rPr lang="en-US" dirty="0" err="1"/>
               <a:t>Ezt</a:t>
             </a:r>
             <a:r>
-              <a:rPr lang="en-US" dirty="0" smtClean="0"/>
-              <a:t> </a:t>
-            </a:r>
-            <a:r>
-              <a:rPr lang="en-US" dirty="0" err="1" smtClean="0"/>
+              <a:rPr lang="en-US" dirty="0"/>
+              <a:t> </a:t>
+            </a:r>
+            <a:r>
+              <a:rPr lang="en-US" dirty="0" err="1"/>
               <a:t>lehet</a:t>
             </a:r>
             <a:r>
-              <a:rPr lang="en-US" dirty="0" smtClean="0"/>
-              <a:t> </a:t>
-            </a:r>
-            <a:r>
-              <a:rPr lang="en-US" dirty="0" err="1" smtClean="0"/>
+              <a:rPr lang="en-US" dirty="0"/>
+              <a:t> </a:t>
+            </a:r>
+            <a:r>
+              <a:rPr lang="en-US" dirty="0" err="1"/>
               <a:t>kódból</a:t>
             </a:r>
             <a:r>
-              <a:rPr lang="en-US" dirty="0" smtClean="0"/>
-              <a:t> </a:t>
-            </a:r>
-            <a:r>
-              <a:rPr lang="en-US" dirty="0" err="1" smtClean="0"/>
+              <a:rPr lang="en-US" dirty="0"/>
+              <a:t> </a:t>
+            </a:r>
+            <a:r>
+              <a:rPr lang="en-US" dirty="0" err="1"/>
               <a:t>és</a:t>
             </a:r>
             <a:r>
-              <a:rPr lang="en-US" dirty="0" smtClean="0"/>
-              <a:t> </a:t>
-            </a:r>
-            <a:r>
-              <a:rPr lang="en-US" dirty="0" err="1" smtClean="0"/>
+              <a:rPr lang="en-US" dirty="0"/>
+              <a:t> </a:t>
+            </a:r>
+            <a:r>
+              <a:rPr lang="en-US" dirty="0" err="1"/>
               <a:t>lehet</a:t>
             </a:r>
             <a:r>
-              <a:rPr lang="en-US" dirty="0" smtClean="0"/>
-              <a:t> </a:t>
-            </a:r>
-            <a:r>
-              <a:rPr lang="en-US" dirty="0" err="1" smtClean="0"/>
+              <a:rPr lang="en-US" dirty="0"/>
+              <a:t> </a:t>
+            </a:r>
+            <a:r>
+              <a:rPr lang="en-US" dirty="0" err="1"/>
               <a:t>külön</a:t>
             </a:r>
             <a:r>
-              <a:rPr lang="en-US" dirty="0" smtClean="0"/>
-              <a:t> </a:t>
-            </a:r>
-            <a:r>
-              <a:rPr lang="en-US" dirty="0" err="1" smtClean="0"/>
+              <a:rPr lang="en-US" dirty="0"/>
+              <a:t> </a:t>
+            </a:r>
+            <a:r>
+              <a:rPr lang="en-US" dirty="0" err="1"/>
               <a:t>fájlból</a:t>
             </a:r>
             <a:r>
-              <a:rPr lang="en-US" dirty="0" smtClean="0"/>
-              <a:t> </a:t>
-            </a:r>
-            <a:r>
-              <a:rPr lang="en-US" dirty="0" err="1" smtClean="0"/>
+              <a:rPr lang="en-US" dirty="0"/>
+              <a:t> </a:t>
+            </a:r>
+            <a:r>
+              <a:rPr lang="en-US" dirty="0" err="1"/>
               <a:t>megadni</a:t>
             </a:r>
             <a:r>
-              <a:rPr lang="en-US" dirty="0" smtClean="0"/>
+              <a:rPr lang="en-US" dirty="0"/>
               <a:t>, mi </a:t>
             </a:r>
             <a:r>
-              <a:rPr lang="en-US" dirty="0" err="1" smtClean="0"/>
+              <a:rPr lang="en-US" dirty="0" err="1"/>
               <a:t>az</a:t>
             </a:r>
             <a:r>
-              <a:rPr lang="en-US" dirty="0" smtClean="0"/>
-              <a:t> </a:t>
-            </a:r>
-            <a:r>
-              <a:rPr lang="en-US" dirty="0" err="1" smtClean="0"/>
+              <a:rPr lang="en-US" dirty="0"/>
+              <a:t> </a:t>
+            </a:r>
+            <a:r>
+              <a:rPr lang="en-US" dirty="0" err="1"/>
               <a:t>utóbbit</a:t>
             </a:r>
             <a:r>
-              <a:rPr lang="en-US" dirty="0" smtClean="0"/>
-              <a:t> </a:t>
-            </a:r>
-            <a:r>
-              <a:rPr lang="en-US" dirty="0" err="1" smtClean="0"/>
+              <a:rPr lang="en-US" dirty="0"/>
+              <a:t> </a:t>
+            </a:r>
+            <a:r>
+              <a:rPr lang="en-US" dirty="0" err="1"/>
               <a:t>választottuk</a:t>
             </a:r>
             <a:r>
-              <a:rPr lang="en-US" dirty="0" smtClean="0"/>
+              <a:rPr lang="en-US" dirty="0"/>
               <a:t>, </a:t>
             </a:r>
             <a:r>
-              <a:rPr lang="en-US" dirty="0" err="1" smtClean="0"/>
+              <a:rPr lang="en-US" dirty="0" err="1"/>
               <a:t>külön</a:t>
             </a:r>
             <a:r>
-              <a:rPr lang="en-US" dirty="0" smtClean="0"/>
-              <a:t> </a:t>
-            </a:r>
-            <a:r>
-              <a:rPr lang="en-US" dirty="0" err="1" smtClean="0"/>
+              <a:rPr lang="en-US" dirty="0"/>
+              <a:t> </a:t>
+            </a:r>
+            <a:r>
+              <a:rPr lang="en-US" dirty="0" err="1"/>
               <a:t>fájlba</a:t>
             </a:r>
             <a:r>
-              <a:rPr lang="en-US" dirty="0" smtClean="0"/>
+              <a:rPr lang="en-US" dirty="0"/>
               <a:t> van a root signature </a:t>
             </a:r>
             <a:r>
-              <a:rPr lang="en-US" dirty="0" err="1" smtClean="0"/>
+              <a:rPr lang="en-US" dirty="0" err="1"/>
               <a:t>leírónk</a:t>
             </a:r>
             <a:r>
-              <a:rPr lang="en-US" dirty="0" smtClean="0"/>
+              <a:rPr lang="en-US" dirty="0"/>
               <a:t>. </a:t>
             </a:r>
             <a:r>
-              <a:rPr lang="en-US" dirty="0" err="1" smtClean="0"/>
+              <a:rPr lang="en-US" dirty="0" err="1"/>
               <a:t>Egy</a:t>
             </a:r>
             <a:r>
-              <a:rPr lang="en-US" dirty="0" smtClean="0"/>
+              <a:rPr lang="en-US" dirty="0"/>
               <a:t> root </a:t>
             </a:r>
             <a:r>
-              <a:rPr lang="en-US" dirty="0" err="1" smtClean="0"/>
+              <a:rPr lang="en-US" dirty="0" err="1"/>
               <a:t>paraméter</a:t>
             </a:r>
             <a:r>
-              <a:rPr lang="en-US" dirty="0" smtClean="0"/>
-              <a:t> </a:t>
-            </a:r>
-            <a:r>
-              <a:rPr lang="en-US" dirty="0" err="1" smtClean="0"/>
+              <a:rPr lang="en-US" dirty="0"/>
+              <a:t> </a:t>
+            </a:r>
+            <a:r>
+              <a:rPr lang="en-US" dirty="0" err="1"/>
               <a:t>nem</a:t>
             </a:r>
             <a:r>
-              <a:rPr lang="en-US" dirty="0" smtClean="0"/>
-              <a:t> </a:t>
-            </a:r>
-            <a:r>
-              <a:rPr lang="en-US" dirty="0" err="1" smtClean="0"/>
+              <a:rPr lang="en-US" dirty="0"/>
+              <a:t> </a:t>
+            </a:r>
+            <a:r>
+              <a:rPr lang="en-US" dirty="0" err="1"/>
               <a:t>más</a:t>
             </a:r>
             <a:r>
-              <a:rPr lang="en-US" dirty="0" smtClean="0"/>
+              <a:rPr lang="en-US" dirty="0"/>
               <a:t>, mint </a:t>
             </a:r>
             <a:r>
-              <a:rPr lang="en-US" dirty="0" err="1" smtClean="0"/>
+              <a:rPr lang="en-US" dirty="0" err="1"/>
               <a:t>az</a:t>
             </a:r>
             <a:r>
-              <a:rPr lang="en-US" dirty="0" smtClean="0"/>
-              <a:t> </a:t>
-            </a:r>
-            <a:r>
-              <a:rPr lang="en-US" dirty="0" err="1" smtClean="0"/>
+              <a:rPr lang="en-US" dirty="0"/>
+              <a:t> </a:t>
+            </a:r>
+            <a:r>
+              <a:rPr lang="en-US" dirty="0" err="1"/>
               <a:t>egész</a:t>
             </a:r>
             <a:r>
-              <a:rPr lang="en-US" dirty="0" smtClean="0"/>
-              <a:t> </a:t>
-            </a:r>
-            <a:r>
-              <a:rPr lang="en-US" dirty="0" err="1" smtClean="0"/>
+              <a:rPr lang="en-US" dirty="0"/>
+              <a:t> </a:t>
+            </a:r>
+            <a:r>
+              <a:rPr lang="en-US" dirty="0" err="1"/>
               <a:t>pipelinera</a:t>
             </a:r>
             <a:r>
-              <a:rPr lang="en-US" dirty="0" smtClean="0"/>
-              <a:t> </a:t>
-            </a:r>
-            <a:r>
-              <a:rPr lang="en-US" dirty="0" err="1" smtClean="0"/>
+              <a:rPr lang="en-US" dirty="0"/>
+              <a:t> </a:t>
+            </a:r>
+            <a:r>
+              <a:rPr lang="en-US" dirty="0" err="1"/>
               <a:t>vonatkozó</a:t>
             </a:r>
             <a:r>
-              <a:rPr lang="en-US" dirty="0" smtClean="0"/>
+              <a:rPr lang="en-US" dirty="0"/>
               <a:t> input. </a:t>
             </a:r>
             <a:r>
-              <a:rPr lang="en-US" dirty="0" err="1" smtClean="0"/>
+              <a:rPr lang="en-US" dirty="0" err="1"/>
               <a:t>Itt</a:t>
             </a:r>
             <a:r>
-              <a:rPr lang="en-US" dirty="0" smtClean="0"/>
-              <a:t> </a:t>
-            </a:r>
-            <a:r>
-              <a:rPr lang="en-US" dirty="0" err="1" smtClean="0"/>
+              <a:rPr lang="en-US" dirty="0"/>
+              <a:t> </a:t>
+            </a:r>
+            <a:r>
+              <a:rPr lang="en-US" dirty="0" err="1"/>
               <a:t>érdemes</a:t>
             </a:r>
             <a:r>
-              <a:rPr lang="en-US" dirty="0" smtClean="0"/>
-              <a:t> </a:t>
-            </a:r>
-            <a:r>
-              <a:rPr lang="en-US" dirty="0" err="1" smtClean="0"/>
+              <a:rPr lang="en-US" dirty="0"/>
+              <a:t> </a:t>
+            </a:r>
+            <a:r>
+              <a:rPr lang="en-US" dirty="0" err="1"/>
               <a:t>megjegyezni</a:t>
             </a:r>
             <a:r>
-              <a:rPr lang="en-US" dirty="0" smtClean="0"/>
+              <a:rPr lang="en-US" dirty="0"/>
               <a:t>, </a:t>
             </a:r>
             <a:r>
-              <a:rPr lang="en-US" dirty="0" err="1" smtClean="0"/>
+              <a:rPr lang="en-US" dirty="0" err="1"/>
               <a:t>hogy</a:t>
             </a:r>
             <a:r>
-              <a:rPr lang="en-US" dirty="0" smtClean="0"/>
-              <a:t> </a:t>
-            </a:r>
-            <a:r>
-              <a:rPr lang="en-US" dirty="0" err="1" smtClean="0"/>
+              <a:rPr lang="en-US" dirty="0"/>
+              <a:t> </a:t>
+            </a:r>
+            <a:r>
+              <a:rPr lang="en-US" dirty="0" err="1"/>
               <a:t>amikor</a:t>
             </a:r>
             <a:r>
-              <a:rPr lang="en-US" dirty="0" smtClean="0"/>
+              <a:rPr lang="en-US" dirty="0"/>
               <a:t> a root signature </a:t>
             </a:r>
             <a:r>
-              <a:rPr lang="en-US" dirty="0" err="1" smtClean="0"/>
+              <a:rPr lang="en-US" dirty="0" err="1"/>
               <a:t>definiáljuk</a:t>
             </a:r>
             <a:r>
-              <a:rPr lang="en-US" dirty="0" smtClean="0"/>
+              <a:rPr lang="en-US" dirty="0"/>
               <a:t>, </a:t>
             </a:r>
             <a:r>
-              <a:rPr lang="en-US" dirty="0" err="1" smtClean="0"/>
+              <a:rPr lang="en-US" dirty="0" err="1"/>
               <a:t>akkor</a:t>
             </a:r>
             <a:r>
-              <a:rPr lang="en-US" dirty="0" smtClean="0"/>
+              <a:rPr lang="en-US" dirty="0"/>
               <a:t> a </a:t>
             </a:r>
             <a:r>
-              <a:rPr lang="en-US" dirty="0" err="1" smtClean="0"/>
+              <a:rPr lang="en-US" dirty="0" err="1"/>
               <a:t>hozzáférés</a:t>
             </a:r>
             <a:r>
-              <a:rPr lang="en-US" dirty="0" smtClean="0"/>
-              <a:t> </a:t>
-            </a:r>
-            <a:r>
-              <a:rPr lang="en-US" dirty="0" err="1" smtClean="0"/>
+              <a:rPr lang="en-US" dirty="0"/>
+              <a:t> </a:t>
+            </a:r>
+            <a:r>
+              <a:rPr lang="en-US" dirty="0" err="1"/>
               <a:t>letiltható</a:t>
             </a:r>
             <a:r>
-              <a:rPr lang="en-US" dirty="0" smtClean="0"/>
-              <a:t> </a:t>
-            </a:r>
-            <a:r>
-              <a:rPr lang="en-US" dirty="0" err="1" smtClean="0"/>
+              <a:rPr lang="en-US" dirty="0"/>
+              <a:t> </a:t>
+            </a:r>
+            <a:r>
+              <a:rPr lang="en-US" dirty="0" err="1"/>
               <a:t>az</a:t>
             </a:r>
             <a:r>
-              <a:rPr lang="en-US" dirty="0" smtClean="0"/>
-              <a:t> </a:t>
-            </a:r>
-            <a:r>
-              <a:rPr lang="en-US" dirty="0" err="1" smtClean="0"/>
+              <a:rPr lang="en-US" dirty="0"/>
+              <a:t> </a:t>
+            </a:r>
+            <a:r>
+              <a:rPr lang="en-US" dirty="0" err="1"/>
               <a:t>egyes</a:t>
             </a:r>
             <a:r>
-              <a:rPr lang="en-US" dirty="0" smtClean="0"/>
-              <a:t> </a:t>
-            </a:r>
-            <a:r>
-              <a:rPr lang="en-US" dirty="0" err="1" smtClean="0"/>
+              <a:rPr lang="en-US" dirty="0"/>
+              <a:t> </a:t>
+            </a:r>
+            <a:r>
+              <a:rPr lang="en-US" dirty="0" err="1"/>
               <a:t>shaderektől</a:t>
             </a:r>
             <a:r>
-              <a:rPr lang="en-US" dirty="0" smtClean="0"/>
+              <a:rPr lang="en-US" dirty="0"/>
               <a:t>. A best practice </a:t>
             </a:r>
             <a:r>
-              <a:rPr lang="en-US" dirty="0" err="1" smtClean="0"/>
+              <a:rPr lang="en-US" dirty="0" err="1"/>
               <a:t>az</a:t>
             </a:r>
             <a:r>
-              <a:rPr lang="en-US" dirty="0" smtClean="0"/>
-              <a:t> </a:t>
-            </a:r>
-            <a:r>
-              <a:rPr lang="en-US" dirty="0" err="1" smtClean="0"/>
+              <a:rPr lang="en-US" dirty="0"/>
+              <a:t> </a:t>
+            </a:r>
+            <a:r>
+              <a:rPr lang="en-US" dirty="0" err="1"/>
               <a:t>az</a:t>
             </a:r>
             <a:r>
-              <a:rPr lang="en-US" dirty="0" smtClean="0"/>
+              <a:rPr lang="en-US" dirty="0"/>
               <a:t>, </a:t>
             </a:r>
             <a:r>
-              <a:rPr lang="en-US" dirty="0" err="1" smtClean="0"/>
+              <a:rPr lang="en-US" dirty="0" err="1"/>
               <a:t>hogy</a:t>
             </a:r>
             <a:r>
-              <a:rPr lang="en-US" dirty="0" smtClean="0"/>
-              <a:t> </a:t>
-            </a:r>
-            <a:r>
-              <a:rPr lang="en-US" dirty="0" err="1" smtClean="0"/>
+              <a:rPr lang="en-US" dirty="0"/>
+              <a:t> </a:t>
+            </a:r>
+            <a:r>
+              <a:rPr lang="en-US" dirty="0" err="1"/>
               <a:t>csak</a:t>
             </a:r>
             <a:r>
-              <a:rPr lang="en-US" dirty="0" smtClean="0"/>
-              <a:t> </a:t>
-            </a:r>
-            <a:r>
-              <a:rPr lang="en-US" dirty="0" err="1" smtClean="0"/>
+              <a:rPr lang="en-US" dirty="0"/>
+              <a:t> </a:t>
+            </a:r>
+            <a:r>
+              <a:rPr lang="en-US" dirty="0" err="1"/>
               <a:t>azok</a:t>
             </a:r>
             <a:r>
-              <a:rPr lang="en-US" dirty="0" smtClean="0"/>
+              <a:rPr lang="en-US" dirty="0"/>
               <a:t> a </a:t>
             </a:r>
             <a:r>
-              <a:rPr lang="en-US" dirty="0" err="1" smtClean="0"/>
+              <a:rPr lang="en-US" dirty="0" err="1"/>
               <a:t>shaderek</a:t>
             </a:r>
             <a:r>
-              <a:rPr lang="en-US" dirty="0" smtClean="0"/>
-              <a:t> </a:t>
-            </a:r>
-            <a:r>
-              <a:rPr lang="en-US" dirty="0" err="1" smtClean="0"/>
+              <a:rPr lang="en-US" dirty="0"/>
+              <a:t> </a:t>
+            </a:r>
+            <a:r>
+              <a:rPr lang="en-US" dirty="0" err="1"/>
               <a:t>érik</a:t>
             </a:r>
             <a:r>
-              <a:rPr lang="en-US" dirty="0" smtClean="0"/>
+              <a:rPr lang="en-US" dirty="0"/>
               <a:t> el </a:t>
             </a:r>
             <a:r>
-              <a:rPr lang="en-US" dirty="0" err="1" smtClean="0"/>
+              <a:rPr lang="en-US" dirty="0" err="1"/>
               <a:t>az</a:t>
             </a:r>
             <a:r>
-              <a:rPr lang="en-US" dirty="0" smtClean="0"/>
-              <a:t> </a:t>
-            </a:r>
-            <a:r>
-              <a:rPr lang="en-US" dirty="0" err="1" smtClean="0"/>
+              <a:rPr lang="en-US" dirty="0"/>
+              <a:t> </a:t>
+            </a:r>
+            <a:r>
+              <a:rPr lang="en-US" dirty="0" err="1"/>
               <a:t>erőforrást</a:t>
             </a:r>
             <a:r>
-              <a:rPr lang="en-US" dirty="0" smtClean="0"/>
+              <a:rPr lang="en-US" dirty="0"/>
               <a:t>, </a:t>
             </a:r>
             <a:r>
-              <a:rPr lang="en-US" dirty="0" err="1" smtClean="0"/>
+              <a:rPr lang="en-US" dirty="0" err="1"/>
               <a:t>amelyek</a:t>
             </a:r>
             <a:r>
-              <a:rPr lang="en-US" dirty="0" smtClean="0"/>
-              <a:t> </a:t>
-            </a:r>
-            <a:r>
-              <a:rPr lang="en-US" dirty="0" err="1" smtClean="0"/>
+              <a:rPr lang="en-US" dirty="0"/>
+              <a:t> </a:t>
+            </a:r>
+            <a:r>
+              <a:rPr lang="en-US" dirty="0" err="1"/>
               <a:t>használják</a:t>
             </a:r>
             <a:r>
-              <a:rPr lang="en-US" dirty="0" smtClean="0"/>
+              <a:rPr lang="en-US" dirty="0"/>
               <a:t> is </a:t>
             </a:r>
             <a:r>
-              <a:rPr lang="en-US" dirty="0" err="1" smtClean="0"/>
+              <a:rPr lang="en-US" dirty="0" err="1"/>
               <a:t>azt</a:t>
             </a:r>
             <a:r>
-              <a:rPr lang="en-US" dirty="0" smtClean="0"/>
+              <a:rPr lang="en-US" dirty="0"/>
               <a:t>.</a:t>
             </a:r>
           </a:p>
@@ -3536,7 +3536,7 @@
               <a:buFontTx/>
               <a:buNone/>
             </a:pPr>
-            <a:endParaRPr lang="en-US" dirty="0" smtClean="0"/>
+            <a:endParaRPr lang="en-US" dirty="0"/>
           </a:p>
           <a:p>
             <a:pPr marL="0" indent="0">
@@ -3544,403 +3544,403 @@
               <a:buNone/>
             </a:pPr>
             <a:r>
-              <a:rPr lang="en-US" dirty="0" err="1" smtClean="0"/>
+              <a:rPr lang="en-US" dirty="0" err="1"/>
               <a:t>Vissza</a:t>
             </a:r>
             <a:r>
-              <a:rPr lang="en-US" dirty="0" smtClean="0"/>
+              <a:rPr lang="en-US" dirty="0"/>
               <a:t> a root </a:t>
             </a:r>
             <a:r>
-              <a:rPr lang="en-US" dirty="0" err="1" smtClean="0"/>
+              <a:rPr lang="en-US" dirty="0" err="1"/>
               <a:t>paraméterekre</a:t>
             </a:r>
             <a:r>
-              <a:rPr lang="en-US" dirty="0" smtClean="0"/>
+              <a:rPr lang="en-US" dirty="0"/>
               <a:t>, </a:t>
             </a:r>
             <a:r>
-              <a:rPr lang="en-US" dirty="0" err="1" smtClean="0"/>
+              <a:rPr lang="en-US" dirty="0" err="1"/>
               <a:t>az</a:t>
             </a:r>
             <a:r>
-              <a:rPr lang="en-US" dirty="0" smtClean="0"/>
-              <a:t> </a:t>
-            </a:r>
-            <a:r>
-              <a:rPr lang="en-US" dirty="0" err="1" smtClean="0"/>
+              <a:rPr lang="en-US" dirty="0"/>
+              <a:t> </a:t>
+            </a:r>
+            <a:r>
+              <a:rPr lang="en-US" dirty="0" err="1"/>
               <a:t>elnevezés</a:t>
             </a:r>
             <a:r>
-              <a:rPr lang="en-US" dirty="0" smtClean="0"/>
-              <a:t> </a:t>
-            </a:r>
-            <a:r>
-              <a:rPr lang="en-US" dirty="0" err="1" smtClean="0"/>
+              <a:rPr lang="en-US" dirty="0"/>
+              <a:t> </a:t>
+            </a:r>
+            <a:r>
+              <a:rPr lang="en-US" dirty="0" err="1"/>
               <a:t>azért</a:t>
             </a:r>
             <a:r>
-              <a:rPr lang="en-US" dirty="0" smtClean="0"/>
+              <a:rPr lang="en-US" dirty="0"/>
               <a:t> Graphics, </a:t>
             </a:r>
             <a:r>
-              <a:rPr lang="en-US" dirty="0" err="1" smtClean="0"/>
+              <a:rPr lang="en-US" dirty="0" err="1"/>
               <a:t>mert</a:t>
             </a:r>
             <a:r>
-              <a:rPr lang="en-US" dirty="0" smtClean="0"/>
-              <a:t> </a:t>
-            </a:r>
-            <a:r>
-              <a:rPr lang="en-US" dirty="0" err="1" smtClean="0"/>
+              <a:rPr lang="en-US" dirty="0"/>
+              <a:t> </a:t>
+            </a:r>
+            <a:r>
+              <a:rPr lang="en-US" dirty="0" err="1"/>
               <a:t>vannak</a:t>
             </a:r>
             <a:r>
-              <a:rPr lang="en-US" dirty="0" smtClean="0"/>
-              <a:t> </a:t>
-            </a:r>
-            <a:r>
-              <a:rPr lang="en-US" dirty="0" err="1" smtClean="0"/>
+              <a:rPr lang="en-US" dirty="0"/>
+              <a:t> </a:t>
+            </a:r>
+            <a:r>
+              <a:rPr lang="en-US" dirty="0" err="1"/>
               <a:t>úgynevezett</a:t>
             </a:r>
             <a:r>
-              <a:rPr lang="en-US" dirty="0" smtClean="0"/>
+              <a:rPr lang="en-US" dirty="0"/>
               <a:t> GPGPU </a:t>
             </a:r>
             <a:r>
-              <a:rPr lang="en-US" dirty="0" err="1" smtClean="0"/>
+              <a:rPr lang="en-US" dirty="0" err="1"/>
               <a:t>lehetőségeink</a:t>
             </a:r>
             <a:r>
-              <a:rPr lang="en-US" dirty="0" smtClean="0"/>
+              <a:rPr lang="en-US" dirty="0"/>
               <a:t> is (General Purpose GPU), </a:t>
             </a:r>
             <a:r>
-              <a:rPr lang="en-US" dirty="0" err="1" smtClean="0"/>
+              <a:rPr lang="en-US" dirty="0" err="1"/>
               <a:t>ezek</a:t>
             </a:r>
             <a:r>
-              <a:rPr lang="en-US" dirty="0" smtClean="0"/>
-              <a:t> </a:t>
-            </a:r>
-            <a:r>
-              <a:rPr lang="en-US" dirty="0" err="1" smtClean="0"/>
+              <a:rPr lang="en-US" dirty="0"/>
+              <a:t> </a:t>
+            </a:r>
+            <a:r>
+              <a:rPr lang="en-US" dirty="0" err="1"/>
               <a:t>az</a:t>
             </a:r>
             <a:r>
-              <a:rPr lang="en-US" dirty="0" smtClean="0"/>
-              <a:t> </a:t>
-            </a:r>
-            <a:r>
-              <a:rPr lang="en-US" dirty="0" err="1" smtClean="0"/>
+              <a:rPr lang="en-US" dirty="0"/>
+              <a:t> </a:t>
+            </a:r>
+            <a:r>
+              <a:rPr lang="en-US" dirty="0" err="1"/>
               <a:t>úgynevezett</a:t>
             </a:r>
             <a:r>
-              <a:rPr lang="en-US" dirty="0" smtClean="0"/>
+              <a:rPr lang="en-US" dirty="0"/>
               <a:t> Compute </a:t>
             </a:r>
             <a:r>
-              <a:rPr lang="en-US" dirty="0" err="1" smtClean="0"/>
+              <a:rPr lang="en-US" dirty="0" err="1"/>
               <a:t>Shaderekben</a:t>
             </a:r>
             <a:r>
-              <a:rPr lang="en-US" dirty="0" smtClean="0"/>
-              <a:t> </a:t>
-            </a:r>
-            <a:r>
-              <a:rPr lang="en-US" dirty="0" err="1" smtClean="0"/>
+              <a:rPr lang="en-US" dirty="0"/>
+              <a:t> </a:t>
+            </a:r>
+            <a:r>
+              <a:rPr lang="en-US" dirty="0" err="1"/>
               <a:t>merülnek</a:t>
             </a:r>
             <a:r>
-              <a:rPr lang="en-US" dirty="0" smtClean="0"/>
-              <a:t> </a:t>
-            </a:r>
-            <a:r>
-              <a:rPr lang="en-US" dirty="0" err="1" smtClean="0"/>
+              <a:rPr lang="en-US" dirty="0"/>
+              <a:t> </a:t>
+            </a:r>
+            <a:r>
+              <a:rPr lang="en-US" dirty="0" err="1"/>
               <a:t>ki</a:t>
             </a:r>
             <a:r>
-              <a:rPr lang="en-US" dirty="0" smtClean="0"/>
+              <a:rPr lang="en-US" dirty="0"/>
               <a:t>, </a:t>
             </a:r>
             <a:r>
-              <a:rPr lang="en-US" dirty="0" err="1" smtClean="0"/>
+              <a:rPr lang="en-US" dirty="0" err="1"/>
               <a:t>erre</a:t>
             </a:r>
             <a:r>
-              <a:rPr lang="en-US" dirty="0" smtClean="0"/>
-              <a:t> </a:t>
-            </a:r>
-            <a:r>
-              <a:rPr lang="en-US" dirty="0" err="1" smtClean="0"/>
+              <a:rPr lang="en-US" dirty="0"/>
+              <a:t> </a:t>
+            </a:r>
+            <a:r>
+              <a:rPr lang="en-US" dirty="0" err="1"/>
               <a:t>úgy</a:t>
             </a:r>
             <a:r>
-              <a:rPr lang="en-US" dirty="0" smtClean="0"/>
-              <a:t> </a:t>
-            </a:r>
-            <a:r>
-              <a:rPr lang="en-US" dirty="0" err="1" smtClean="0"/>
+              <a:rPr lang="en-US" dirty="0"/>
+              <a:t> </a:t>
+            </a:r>
+            <a:r>
+              <a:rPr lang="en-US" dirty="0" err="1"/>
               <a:t>kell</a:t>
             </a:r>
             <a:r>
-              <a:rPr lang="en-US" dirty="0" smtClean="0"/>
-              <a:t> </a:t>
-            </a:r>
-            <a:r>
-              <a:rPr lang="en-US" dirty="0" err="1" smtClean="0"/>
+              <a:rPr lang="en-US" dirty="0"/>
+              <a:t> </a:t>
+            </a:r>
+            <a:r>
+              <a:rPr lang="en-US" dirty="0" err="1"/>
               <a:t>gondolni</a:t>
             </a:r>
             <a:r>
-              <a:rPr lang="en-US" dirty="0" smtClean="0"/>
+              <a:rPr lang="en-US" dirty="0"/>
               <a:t>, </a:t>
             </a:r>
             <a:r>
-              <a:rPr lang="en-US" dirty="0" err="1" smtClean="0"/>
+              <a:rPr lang="en-US" dirty="0" err="1"/>
               <a:t>hogy</a:t>
             </a:r>
             <a:r>
-              <a:rPr lang="en-US" dirty="0" smtClean="0"/>
+              <a:rPr lang="en-US" dirty="0"/>
               <a:t> van </a:t>
             </a:r>
             <a:r>
-              <a:rPr lang="en-US" dirty="0" err="1" smtClean="0"/>
+              <a:rPr lang="en-US" dirty="0" err="1"/>
               <a:t>egy</a:t>
             </a:r>
             <a:r>
-              <a:rPr lang="en-US" dirty="0" smtClean="0"/>
+              <a:rPr lang="en-US" dirty="0"/>
               <a:t> Graphics* </a:t>
             </a:r>
             <a:r>
-              <a:rPr lang="en-US" dirty="0" err="1" smtClean="0"/>
+              <a:rPr lang="en-US" dirty="0" err="1"/>
               <a:t>prefixelt</a:t>
             </a:r>
             <a:r>
-              <a:rPr lang="en-US" dirty="0" smtClean="0"/>
-              <a:t> </a:t>
-            </a:r>
-            <a:r>
-              <a:rPr lang="en-US" dirty="0" err="1" smtClean="0"/>
+              <a:rPr lang="en-US" dirty="0"/>
+              <a:t> </a:t>
+            </a:r>
+            <a:r>
+              <a:rPr lang="en-US" dirty="0" err="1"/>
               <a:t>része</a:t>
             </a:r>
             <a:r>
-              <a:rPr lang="en-US" dirty="0" smtClean="0"/>
+              <a:rPr lang="en-US" dirty="0"/>
               <a:t> a DirectX-</a:t>
             </a:r>
             <a:r>
-              <a:rPr lang="en-US" dirty="0" err="1" smtClean="0"/>
+              <a:rPr lang="en-US" dirty="0" err="1"/>
               <a:t>nek</a:t>
             </a:r>
             <a:r>
-              <a:rPr lang="en-US" dirty="0" smtClean="0"/>
-              <a:t> </a:t>
-            </a:r>
-            <a:r>
-              <a:rPr lang="en-US" dirty="0" err="1" smtClean="0"/>
+              <a:rPr lang="en-US" dirty="0"/>
+              <a:t> </a:t>
+            </a:r>
+            <a:r>
+              <a:rPr lang="en-US" dirty="0" err="1"/>
               <a:t>és</a:t>
             </a:r>
             <a:r>
-              <a:rPr lang="en-US" dirty="0" smtClean="0"/>
+              <a:rPr lang="en-US" dirty="0"/>
               <a:t> van </a:t>
             </a:r>
             <a:r>
-              <a:rPr lang="en-US" dirty="0" err="1" smtClean="0"/>
+              <a:rPr lang="en-US" dirty="0" err="1"/>
               <a:t>egy</a:t>
             </a:r>
             <a:r>
-              <a:rPr lang="en-US" dirty="0" smtClean="0"/>
+              <a:rPr lang="en-US" dirty="0"/>
               <a:t> Compute* </a:t>
             </a:r>
             <a:r>
-              <a:rPr lang="en-US" dirty="0" err="1" smtClean="0"/>
+              <a:rPr lang="en-US" dirty="0" err="1"/>
               <a:t>prefixelt</a:t>
             </a:r>
             <a:r>
-              <a:rPr lang="en-US" dirty="0" smtClean="0"/>
-              <a:t> </a:t>
-            </a:r>
-            <a:r>
-              <a:rPr lang="en-US" dirty="0" err="1" smtClean="0"/>
+              <a:rPr lang="en-US" dirty="0"/>
+              <a:t> </a:t>
+            </a:r>
+            <a:r>
+              <a:rPr lang="en-US" dirty="0" err="1"/>
               <a:t>része</a:t>
             </a:r>
             <a:r>
-              <a:rPr lang="en-US" dirty="0" smtClean="0"/>
+              <a:rPr lang="en-US" dirty="0"/>
               <a:t>. A Compute </a:t>
             </a:r>
             <a:r>
-              <a:rPr lang="en-US" dirty="0" err="1" smtClean="0"/>
+              <a:rPr lang="en-US" dirty="0" err="1"/>
               <a:t>oldala</a:t>
             </a:r>
             <a:r>
-              <a:rPr lang="en-US" dirty="0" smtClean="0"/>
-              <a:t> </a:t>
-            </a:r>
-            <a:r>
-              <a:rPr lang="en-US" dirty="0" err="1" smtClean="0"/>
+              <a:rPr lang="en-US" dirty="0"/>
+              <a:t> </a:t>
+            </a:r>
+            <a:r>
+              <a:rPr lang="en-US" dirty="0" err="1"/>
               <a:t>sokkal</a:t>
             </a:r>
             <a:r>
-              <a:rPr lang="en-US" dirty="0" smtClean="0"/>
-              <a:t> </a:t>
-            </a:r>
-            <a:r>
-              <a:rPr lang="en-US" dirty="0" err="1" smtClean="0"/>
+              <a:rPr lang="en-US" dirty="0"/>
+              <a:t> </a:t>
+            </a:r>
+            <a:r>
+              <a:rPr lang="en-US" dirty="0" err="1"/>
               <a:t>általánosabban</a:t>
             </a:r>
             <a:r>
-              <a:rPr lang="en-US" dirty="0" smtClean="0"/>
+              <a:rPr lang="en-US" dirty="0"/>
               <a:t> van </a:t>
             </a:r>
             <a:r>
-              <a:rPr lang="en-US" dirty="0" err="1" smtClean="0"/>
+              <a:rPr lang="en-US" dirty="0" err="1"/>
               <a:t>megadva</a:t>
             </a:r>
             <a:r>
-              <a:rPr lang="en-US" dirty="0" smtClean="0"/>
+              <a:rPr lang="en-US" dirty="0"/>
               <a:t>, a Compute pipeline </a:t>
             </a:r>
             <a:r>
-              <a:rPr lang="en-US" dirty="0" err="1" smtClean="0"/>
+              <a:rPr lang="en-US" dirty="0" err="1"/>
               <a:t>az</a:t>
             </a:r>
             <a:r>
-              <a:rPr lang="en-US" dirty="0" smtClean="0"/>
+              <a:rPr lang="en-US" dirty="0"/>
               <a:t> 1 </a:t>
             </a:r>
             <a:r>
-              <a:rPr lang="en-US" dirty="0" err="1" smtClean="0"/>
+              <a:rPr lang="en-US" dirty="0" err="1"/>
               <a:t>lépésből</a:t>
             </a:r>
             <a:r>
-              <a:rPr lang="en-US" dirty="0" smtClean="0"/>
-              <a:t> </a:t>
-            </a:r>
-            <a:r>
-              <a:rPr lang="en-US" dirty="0" err="1" smtClean="0"/>
+              <a:rPr lang="en-US" dirty="0"/>
+              <a:t> </a:t>
+            </a:r>
+            <a:r>
+              <a:rPr lang="en-US" dirty="0" err="1"/>
               <a:t>áll</a:t>
             </a:r>
             <a:r>
-              <a:rPr lang="en-US" dirty="0" smtClean="0"/>
+              <a:rPr lang="en-US" dirty="0"/>
               <a:t>, </a:t>
             </a:r>
             <a:r>
-              <a:rPr lang="en-US" dirty="0" err="1" smtClean="0"/>
+              <a:rPr lang="en-US" dirty="0" err="1"/>
               <a:t>míg</a:t>
             </a:r>
             <a:r>
-              <a:rPr lang="en-US" dirty="0" smtClean="0"/>
+              <a:rPr lang="en-US" dirty="0"/>
               <a:t> a </a:t>
             </a:r>
             <a:r>
-              <a:rPr lang="en-US" dirty="0" err="1" smtClean="0"/>
+              <a:rPr lang="en-US" dirty="0" err="1"/>
               <a:t>grafikus</a:t>
             </a:r>
             <a:r>
-              <a:rPr lang="en-US" dirty="0" smtClean="0"/>
+              <a:rPr lang="en-US" dirty="0"/>
               <a:t> pipeline </a:t>
             </a:r>
             <a:r>
-              <a:rPr lang="en-US" dirty="0" err="1" smtClean="0"/>
+              <a:rPr lang="en-US" dirty="0" err="1"/>
               <a:t>igen</a:t>
             </a:r>
             <a:r>
-              <a:rPr lang="en-US" dirty="0" smtClean="0"/>
-              <a:t> </a:t>
-            </a:r>
-            <a:r>
-              <a:rPr lang="en-US" dirty="0" err="1" smtClean="0"/>
+              <a:rPr lang="en-US" dirty="0"/>
+              <a:t> </a:t>
+            </a:r>
+            <a:r>
+              <a:rPr lang="en-US" dirty="0" err="1"/>
               <a:t>sok</a:t>
             </a:r>
             <a:r>
-              <a:rPr lang="en-US" dirty="0" smtClean="0"/>
-              <a:t> </a:t>
-            </a:r>
-            <a:r>
-              <a:rPr lang="en-US" dirty="0" err="1" smtClean="0"/>
+              <a:rPr lang="en-US" dirty="0"/>
+              <a:t> </a:t>
+            </a:r>
+            <a:r>
+              <a:rPr lang="en-US" dirty="0" err="1"/>
               <a:t>transzformáción</a:t>
             </a:r>
             <a:r>
-              <a:rPr lang="en-US" dirty="0" smtClean="0"/>
-              <a:t> </a:t>
-            </a:r>
-            <a:r>
-              <a:rPr lang="en-US" dirty="0" err="1" smtClean="0"/>
+              <a:rPr lang="en-US" dirty="0"/>
+              <a:t> </a:t>
+            </a:r>
+            <a:r>
+              <a:rPr lang="en-US" dirty="0" err="1"/>
               <a:t>megy</a:t>
             </a:r>
             <a:r>
-              <a:rPr lang="en-US" dirty="0" smtClean="0"/>
-              <a:t> </a:t>
-            </a:r>
-            <a:r>
-              <a:rPr lang="en-US" dirty="0" err="1" smtClean="0"/>
+              <a:rPr lang="en-US" dirty="0"/>
+              <a:t> </a:t>
+            </a:r>
+            <a:r>
+              <a:rPr lang="en-US" dirty="0" err="1"/>
               <a:t>át</a:t>
             </a:r>
             <a:r>
-              <a:rPr lang="en-US" dirty="0" smtClean="0"/>
+              <a:rPr lang="en-US" dirty="0"/>
               <a:t>, mire </a:t>
             </a:r>
             <a:r>
-              <a:rPr lang="en-US" dirty="0" err="1" smtClean="0"/>
+              <a:rPr lang="en-US" dirty="0" err="1"/>
               <a:t>kép</a:t>
             </a:r>
             <a:r>
-              <a:rPr lang="en-US" dirty="0" smtClean="0"/>
-              <a:t> </a:t>
-            </a:r>
-            <a:r>
-              <a:rPr lang="en-US" dirty="0" err="1" smtClean="0"/>
+              <a:rPr lang="en-US" dirty="0"/>
+              <a:t> </a:t>
+            </a:r>
+            <a:r>
+              <a:rPr lang="en-US" dirty="0" err="1"/>
               <a:t>lesz</a:t>
             </a:r>
             <a:r>
-              <a:rPr lang="en-US" dirty="0" smtClean="0"/>
-              <a:t> </a:t>
-            </a:r>
-            <a:r>
-              <a:rPr lang="en-US" dirty="0" err="1" smtClean="0"/>
+              <a:rPr lang="en-US" dirty="0"/>
+              <a:t> </a:t>
+            </a:r>
+            <a:r>
+              <a:rPr lang="en-US" dirty="0" err="1"/>
               <a:t>belőle</a:t>
             </a:r>
             <a:r>
-              <a:rPr lang="en-US" dirty="0" smtClean="0"/>
+              <a:rPr lang="en-US" dirty="0"/>
               <a:t>. A Compute </a:t>
             </a:r>
             <a:r>
-              <a:rPr lang="en-US" dirty="0" err="1" smtClean="0"/>
+              <a:rPr lang="en-US" dirty="0" err="1"/>
               <a:t>oldalt</a:t>
             </a:r>
             <a:r>
-              <a:rPr lang="en-US" dirty="0" smtClean="0"/>
-              <a:t> </a:t>
-            </a:r>
-            <a:r>
-              <a:rPr lang="en-US" dirty="0" err="1" smtClean="0"/>
+              <a:rPr lang="en-US" dirty="0"/>
+              <a:t> </a:t>
+            </a:r>
+            <a:r>
+              <a:rPr lang="en-US" dirty="0" err="1"/>
               <a:t>többet</a:t>
             </a:r>
             <a:r>
-              <a:rPr lang="en-US" dirty="0" smtClean="0"/>
-              <a:t> </a:t>
-            </a:r>
-            <a:r>
-              <a:rPr lang="en-US" dirty="0" err="1" smtClean="0"/>
+              <a:rPr lang="en-US" dirty="0"/>
+              <a:t> </a:t>
+            </a:r>
+            <a:r>
+              <a:rPr lang="en-US" dirty="0" err="1"/>
               <a:t>nem</a:t>
             </a:r>
             <a:r>
-              <a:rPr lang="en-US" dirty="0" smtClean="0"/>
-              <a:t> </a:t>
-            </a:r>
-            <a:r>
-              <a:rPr lang="en-US" dirty="0" err="1" smtClean="0"/>
+              <a:rPr lang="en-US" dirty="0"/>
+              <a:t> </a:t>
+            </a:r>
+            <a:r>
+              <a:rPr lang="en-US" dirty="0" err="1"/>
               <a:t>fogjuk</a:t>
             </a:r>
             <a:r>
-              <a:rPr lang="en-US" dirty="0" smtClean="0"/>
-              <a:t> </a:t>
-            </a:r>
-            <a:r>
-              <a:rPr lang="en-US" dirty="0" err="1" smtClean="0"/>
+              <a:rPr lang="en-US" dirty="0"/>
+              <a:t> </a:t>
+            </a:r>
+            <a:r>
+              <a:rPr lang="en-US" dirty="0" err="1"/>
               <a:t>megemlíteni</a:t>
             </a:r>
             <a:r>
-              <a:rPr lang="en-US" dirty="0" smtClean="0"/>
+              <a:rPr lang="en-US" dirty="0"/>
               <a:t>.</a:t>
             </a:r>
           </a:p>
@@ -3949,7 +3949,7 @@
               <a:buFontTx/>
               <a:buNone/>
             </a:pPr>
-            <a:endParaRPr lang="en-US" dirty="0" smtClean="0"/>
+            <a:endParaRPr lang="en-US" dirty="0"/>
           </a:p>
           <a:p>
             <a:pPr marL="0" indent="0">
@@ -3957,35 +3957,35 @@
               <a:buNone/>
             </a:pPr>
             <a:r>
-              <a:rPr lang="en-US" dirty="0" err="1" smtClean="0"/>
+              <a:rPr lang="en-US" dirty="0" err="1"/>
               <a:t>Milyen</a:t>
             </a:r>
             <a:r>
-              <a:rPr lang="en-US" dirty="0" smtClean="0"/>
-              <a:t> </a:t>
-            </a:r>
-            <a:r>
-              <a:rPr lang="en-US" dirty="0" err="1" smtClean="0"/>
+              <a:rPr lang="en-US" dirty="0"/>
+              <a:t> </a:t>
+            </a:r>
+            <a:r>
+              <a:rPr lang="en-US" dirty="0" err="1"/>
               <a:t>lehetőségeink</a:t>
             </a:r>
             <a:r>
-              <a:rPr lang="en-US" dirty="0" smtClean="0"/>
-              <a:t> </a:t>
-            </a:r>
-            <a:r>
-              <a:rPr lang="en-US" dirty="0" err="1" smtClean="0"/>
+              <a:rPr lang="en-US" dirty="0"/>
+              <a:t> </a:t>
+            </a:r>
+            <a:r>
+              <a:rPr lang="en-US" dirty="0" err="1"/>
               <a:t>vannak</a:t>
             </a:r>
             <a:r>
-              <a:rPr lang="en-US" dirty="0" smtClean="0"/>
+              <a:rPr lang="en-US" dirty="0"/>
               <a:t> Root </a:t>
             </a:r>
             <a:r>
-              <a:rPr lang="en-US" dirty="0" err="1" smtClean="0"/>
+              <a:rPr lang="en-US" dirty="0" err="1"/>
               <a:t>Paraméterekkel</a:t>
             </a:r>
             <a:r>
-              <a:rPr lang="en-US" dirty="0" smtClean="0"/>
+              <a:rPr lang="en-US" dirty="0"/>
               <a:t>?</a:t>
             </a:r>
           </a:p>
@@ -3995,58 +3995,58 @@
               <a:buChar char="-"/>
             </a:pPr>
             <a:r>
-              <a:rPr lang="en-US" dirty="0" smtClean="0"/>
+              <a:rPr lang="en-US" dirty="0"/>
               <a:t>Constant: </a:t>
             </a:r>
             <a:r>
-              <a:rPr lang="en-US" dirty="0" err="1" smtClean="0"/>
+              <a:rPr lang="en-US" dirty="0" err="1"/>
               <a:t>egy</a:t>
             </a:r>
             <a:r>
-              <a:rPr lang="en-US" dirty="0" smtClean="0"/>
-              <a:t> </a:t>
-            </a:r>
-            <a:r>
-              <a:rPr lang="en-US" dirty="0" err="1" smtClean="0"/>
+              <a:rPr lang="en-US" dirty="0"/>
+              <a:t> </a:t>
+            </a:r>
+            <a:r>
+              <a:rPr lang="en-US" dirty="0" err="1"/>
               <a:t>egyszer</a:t>
             </a:r>
             <a:r>
-              <a:rPr lang="hu-HU" dirty="0" smtClean="0"/>
+              <a:rPr lang="hu-HU" dirty="0"/>
               <a:t>ű</a:t>
             </a:r>
             <a:r>
-              <a:rPr lang="en-US" dirty="0" smtClean="0"/>
+              <a:rPr lang="en-US" dirty="0"/>
               <a:t> 32bites </a:t>
             </a:r>
             <a:r>
-              <a:rPr lang="en-US" dirty="0" err="1" smtClean="0"/>
+              <a:rPr lang="en-US" dirty="0" err="1"/>
               <a:t>constans</a:t>
             </a:r>
             <a:r>
-              <a:rPr lang="en-US" dirty="0" smtClean="0"/>
+              <a:rPr lang="en-US" dirty="0"/>
               <a:t>, </a:t>
             </a:r>
             <a:r>
-              <a:rPr lang="en-US" dirty="0" err="1" smtClean="0"/>
+              <a:rPr lang="en-US" dirty="0" err="1"/>
               <a:t>nulla</a:t>
             </a:r>
             <a:r>
-              <a:rPr lang="en-US" dirty="0" smtClean="0"/>
-              <a:t> </a:t>
-            </a:r>
-            <a:r>
-              <a:rPr lang="en-US" dirty="0" err="1" smtClean="0"/>
+              <a:rPr lang="en-US" dirty="0"/>
+              <a:t> </a:t>
+            </a:r>
+            <a:r>
+              <a:rPr lang="en-US" dirty="0" err="1"/>
               <a:t>indirekciót</a:t>
             </a:r>
             <a:r>
-              <a:rPr lang="en-US" dirty="0" smtClean="0"/>
-              <a:t> </a:t>
-            </a:r>
-            <a:r>
-              <a:rPr lang="en-US" dirty="0" err="1" smtClean="0"/>
+              <a:rPr lang="en-US" dirty="0"/>
+              <a:t> </a:t>
+            </a:r>
+            <a:r>
+              <a:rPr lang="en-US" dirty="0" err="1"/>
               <a:t>jelent</a:t>
             </a:r>
-            <a:endParaRPr lang="en-US" dirty="0" smtClean="0"/>
+            <a:endParaRPr lang="en-US" dirty="0"/>
           </a:p>
           <a:p>
             <a:pPr marL="171450" indent="-171450">
@@ -4054,54 +4054,54 @@
               <a:buChar char="-"/>
             </a:pPr>
             <a:r>
-              <a:rPr lang="en-US" dirty="0" smtClean="0"/>
+              <a:rPr lang="en-US" dirty="0"/>
               <a:t>SRV/CBV/UAV/Sampler: </a:t>
             </a:r>
             <a:r>
-              <a:rPr lang="en-US" dirty="0" err="1" smtClean="0"/>
+              <a:rPr lang="en-US" dirty="0" err="1"/>
               <a:t>különböző</a:t>
             </a:r>
             <a:r>
-              <a:rPr lang="en-US" dirty="0" smtClean="0"/>
+              <a:rPr lang="en-US" dirty="0"/>
               <a:t> View-ok </a:t>
             </a:r>
             <a:r>
-              <a:rPr lang="en-US" dirty="0" err="1" smtClean="0"/>
+              <a:rPr lang="en-US" dirty="0" err="1"/>
               <a:t>átadása</a:t>
             </a:r>
             <a:r>
-              <a:rPr lang="en-US" dirty="0" smtClean="0"/>
+              <a:rPr lang="en-US" dirty="0"/>
               <a:t> a </a:t>
             </a:r>
             <a:r>
-              <a:rPr lang="en-US" dirty="0" err="1" smtClean="0"/>
+              <a:rPr lang="en-US" dirty="0" err="1"/>
               <a:t>pipelinenak</a:t>
             </a:r>
             <a:r>
-              <a:rPr lang="en-US" dirty="0" smtClean="0"/>
+              <a:rPr lang="en-US" dirty="0"/>
               <a:t>, </a:t>
             </a:r>
             <a:r>
-              <a:rPr lang="en-US" dirty="0" err="1" smtClean="0"/>
+              <a:rPr lang="en-US" dirty="0" err="1"/>
               <a:t>egyetlen</a:t>
             </a:r>
             <a:r>
-              <a:rPr lang="en-US" dirty="0" smtClean="0"/>
-              <a:t> </a:t>
-            </a:r>
-            <a:r>
-              <a:rPr lang="en-US" dirty="0" err="1" smtClean="0"/>
+              <a:rPr lang="en-US" dirty="0"/>
+              <a:t> </a:t>
+            </a:r>
+            <a:r>
+              <a:rPr lang="en-US" dirty="0" err="1"/>
               <a:t>indirekciót</a:t>
             </a:r>
             <a:r>
-              <a:rPr lang="en-US" dirty="0" smtClean="0"/>
-              <a:t> </a:t>
-            </a:r>
-            <a:r>
-              <a:rPr lang="en-US" dirty="0" err="1" smtClean="0"/>
+              <a:rPr lang="en-US" dirty="0"/>
+              <a:t> </a:t>
+            </a:r>
+            <a:r>
+              <a:rPr lang="en-US" dirty="0" err="1"/>
               <a:t>jelent</a:t>
             </a:r>
-            <a:endParaRPr lang="en-US" dirty="0" smtClean="0"/>
+            <a:endParaRPr lang="en-US" dirty="0"/>
           </a:p>
           <a:p>
             <a:pPr marL="171450" indent="-171450">
@@ -4109,89 +4109,89 @@
               <a:buChar char="-"/>
             </a:pPr>
             <a:r>
-              <a:rPr lang="en-US" dirty="0" err="1" smtClean="0"/>
+              <a:rPr lang="en-US" dirty="0" err="1"/>
               <a:t>DescriptorTable</a:t>
             </a:r>
             <a:r>
-              <a:rPr lang="en-US" dirty="0" smtClean="0"/>
+              <a:rPr lang="en-US" dirty="0"/>
               <a:t>: </a:t>
             </a:r>
             <a:r>
-              <a:rPr lang="en-US" dirty="0" err="1" smtClean="0"/>
+              <a:rPr lang="en-US" dirty="0" err="1"/>
               <a:t>Az</a:t>
             </a:r>
             <a:r>
-              <a:rPr lang="en-US" dirty="0" smtClean="0"/>
-              <a:t> </a:t>
-            </a:r>
-            <a:r>
-              <a:rPr lang="en-US" dirty="0" err="1" smtClean="0"/>
+              <a:rPr lang="en-US" dirty="0"/>
+              <a:t> </a:t>
+            </a:r>
+            <a:r>
+              <a:rPr lang="en-US" dirty="0" err="1"/>
               <a:t>előző</a:t>
             </a:r>
             <a:r>
-              <a:rPr lang="en-US" dirty="0" smtClean="0"/>
+              <a:rPr lang="en-US" dirty="0"/>
               <a:t> SRV/CBV/UAV/Sampler </a:t>
             </a:r>
             <a:r>
-              <a:rPr lang="en-US" dirty="0" err="1" smtClean="0"/>
+              <a:rPr lang="en-US" dirty="0" err="1"/>
               <a:t>kombónak</a:t>
             </a:r>
             <a:r>
-              <a:rPr lang="en-US" dirty="0" smtClean="0"/>
-              <a:t> </a:t>
-            </a:r>
-            <a:r>
-              <a:rPr lang="en-US" dirty="0" err="1" smtClean="0"/>
+              <a:rPr lang="en-US" dirty="0"/>
+              <a:t> </a:t>
+            </a:r>
+            <a:r>
+              <a:rPr lang="en-US" dirty="0" err="1"/>
               <a:t>egy</a:t>
             </a:r>
             <a:r>
-              <a:rPr lang="en-US" dirty="0" smtClean="0"/>
-              <a:t> </a:t>
-            </a:r>
-            <a:r>
-              <a:rPr lang="en-US" dirty="0" err="1" smtClean="0"/>
+              <a:rPr lang="en-US" dirty="0"/>
+              <a:t> </a:t>
+            </a:r>
+            <a:r>
+              <a:rPr lang="en-US" dirty="0" err="1"/>
               <a:t>listája</a:t>
             </a:r>
             <a:r>
-              <a:rPr lang="en-US" dirty="0" smtClean="0"/>
+              <a:rPr lang="en-US" dirty="0"/>
               <a:t>, </a:t>
             </a:r>
             <a:r>
-              <a:rPr lang="en-US" dirty="0" err="1" smtClean="0"/>
+              <a:rPr lang="en-US" dirty="0" err="1"/>
               <a:t>tehát</a:t>
             </a:r>
             <a:r>
-              <a:rPr lang="en-US" dirty="0" smtClean="0"/>
-              <a:t> </a:t>
-            </a:r>
-            <a:r>
-              <a:rPr lang="en-US" dirty="0" err="1" smtClean="0"/>
+              <a:rPr lang="en-US" dirty="0"/>
+              <a:t> </a:t>
+            </a:r>
+            <a:r>
+              <a:rPr lang="en-US" dirty="0" err="1"/>
               <a:t>kettős</a:t>
             </a:r>
             <a:r>
-              <a:rPr lang="en-US" dirty="0" smtClean="0"/>
-              <a:t> </a:t>
-            </a:r>
-            <a:r>
-              <a:rPr lang="en-US" dirty="0" err="1" smtClean="0"/>
+              <a:rPr lang="en-US" dirty="0"/>
+              <a:t> </a:t>
+            </a:r>
+            <a:r>
+              <a:rPr lang="en-US" dirty="0" err="1"/>
               <a:t>indirekciót</a:t>
             </a:r>
             <a:r>
-              <a:rPr lang="en-US" dirty="0" smtClean="0"/>
-              <a:t> </a:t>
-            </a:r>
-            <a:r>
-              <a:rPr lang="en-US" dirty="0" err="1" smtClean="0"/>
+              <a:rPr lang="en-US" dirty="0"/>
+              <a:t> </a:t>
+            </a:r>
+            <a:r>
+              <a:rPr lang="en-US" dirty="0" err="1"/>
               <a:t>jelent</a:t>
             </a:r>
-            <a:endParaRPr lang="en-US" dirty="0" smtClean="0"/>
+            <a:endParaRPr lang="en-US" dirty="0"/>
           </a:p>
           <a:p>
             <a:pPr marL="171450" indent="-171450">
               <a:buFontTx/>
               <a:buChar char="-"/>
             </a:pPr>
-            <a:endParaRPr lang="en-US" dirty="0" smtClean="0"/>
+            <a:endParaRPr lang="en-US" dirty="0"/>
           </a:p>
           <a:p>
             <a:pPr marL="0" indent="0">
@@ -4199,191 +4199,191 @@
               <a:buNone/>
             </a:pPr>
             <a:r>
-              <a:rPr lang="en-US" dirty="0" smtClean="0"/>
+              <a:rPr lang="en-US" dirty="0"/>
               <a:t>(Best </a:t>
             </a:r>
             <a:r>
-              <a:rPr lang="en-US" dirty="0" err="1" smtClean="0"/>
+              <a:rPr lang="en-US" dirty="0" err="1"/>
               <a:t>practisenek</a:t>
             </a:r>
             <a:r>
-              <a:rPr lang="en-US" dirty="0" smtClean="0"/>
-              <a:t> </a:t>
-            </a:r>
-            <a:r>
-              <a:rPr lang="en-US" dirty="0" err="1" smtClean="0"/>
+              <a:rPr lang="en-US" dirty="0"/>
+              <a:t> </a:t>
+            </a:r>
+            <a:r>
+              <a:rPr lang="en-US" dirty="0" err="1"/>
               <a:t>minősül</a:t>
             </a:r>
             <a:r>
-              <a:rPr lang="en-US" dirty="0" smtClean="0"/>
-              <a:t> </a:t>
-            </a:r>
-            <a:r>
-              <a:rPr lang="en-US" dirty="0" err="1" smtClean="0"/>
+              <a:rPr lang="en-US" dirty="0"/>
+              <a:t> </a:t>
+            </a:r>
+            <a:r>
+              <a:rPr lang="en-US" dirty="0" err="1"/>
               <a:t>az</a:t>
             </a:r>
             <a:r>
-              <a:rPr lang="en-US" dirty="0" smtClean="0"/>
+              <a:rPr lang="en-US" dirty="0"/>
               <a:t>, ha </a:t>
             </a:r>
             <a:r>
-              <a:rPr lang="en-US" dirty="0" err="1" smtClean="0"/>
+              <a:rPr lang="en-US" dirty="0" err="1"/>
               <a:t>egy</a:t>
             </a:r>
             <a:r>
-              <a:rPr lang="en-US" dirty="0" smtClean="0"/>
+              <a:rPr lang="en-US" dirty="0"/>
               <a:t> root </a:t>
             </a:r>
             <a:r>
-              <a:rPr lang="en-US" dirty="0" err="1" smtClean="0"/>
+              <a:rPr lang="en-US" dirty="0" err="1"/>
               <a:t>paramétert</a:t>
             </a:r>
             <a:r>
-              <a:rPr lang="en-US" dirty="0" smtClean="0"/>
+              <a:rPr lang="en-US" dirty="0"/>
               <a:t> a </a:t>
             </a:r>
             <a:r>
-              <a:rPr lang="en-US" dirty="0" err="1" smtClean="0"/>
+              <a:rPr lang="en-US" dirty="0" err="1"/>
               <a:t>lehető</a:t>
             </a:r>
             <a:r>
-              <a:rPr lang="en-US" dirty="0" smtClean="0"/>
-              <a:t> </a:t>
-            </a:r>
-            <a:r>
-              <a:rPr lang="en-US" dirty="0" err="1" smtClean="0"/>
+              <a:rPr lang="en-US" dirty="0"/>
+              <a:t> </a:t>
+            </a:r>
+            <a:r>
+              <a:rPr lang="en-US" dirty="0" err="1"/>
               <a:t>legritkábban</a:t>
             </a:r>
             <a:r>
-              <a:rPr lang="en-US" dirty="0" smtClean="0"/>
-              <a:t> </a:t>
-            </a:r>
-            <a:r>
-              <a:rPr lang="en-US" dirty="0" err="1" smtClean="0"/>
+              <a:rPr lang="en-US" dirty="0"/>
+              <a:t> </a:t>
+            </a:r>
+            <a:r>
+              <a:rPr lang="en-US" dirty="0" err="1"/>
               <a:t>változtatunk</a:t>
             </a:r>
             <a:r>
-              <a:rPr lang="en-US" dirty="0" smtClean="0"/>
+              <a:rPr lang="en-US" dirty="0"/>
               <a:t>, </a:t>
             </a:r>
             <a:r>
-              <a:rPr lang="en-US" dirty="0" err="1" smtClean="0"/>
+              <a:rPr lang="en-US" dirty="0" err="1"/>
               <a:t>és</a:t>
             </a:r>
             <a:r>
-              <a:rPr lang="en-US" dirty="0" smtClean="0"/>
-              <a:t> </a:t>
-            </a:r>
-            <a:r>
-              <a:rPr lang="en-US" dirty="0" err="1" smtClean="0"/>
+              <a:rPr lang="en-US" dirty="0"/>
+              <a:t> </a:t>
+            </a:r>
+            <a:r>
+              <a:rPr lang="en-US" dirty="0" err="1"/>
               <a:t>minnél</a:t>
             </a:r>
             <a:r>
-              <a:rPr lang="en-US" dirty="0" smtClean="0"/>
-              <a:t> </a:t>
-            </a:r>
-            <a:r>
-              <a:rPr lang="en-US" dirty="0" err="1" smtClean="0"/>
+              <a:rPr lang="en-US" dirty="0"/>
+              <a:t> </a:t>
+            </a:r>
+            <a:r>
+              <a:rPr lang="en-US" dirty="0" err="1"/>
               <a:t>ritkábban</a:t>
             </a:r>
             <a:r>
-              <a:rPr lang="en-US" dirty="0" smtClean="0"/>
-              <a:t> </a:t>
-            </a:r>
-            <a:r>
-              <a:rPr lang="en-US" dirty="0" err="1" smtClean="0"/>
+              <a:rPr lang="en-US" dirty="0"/>
+              <a:t> </a:t>
+            </a:r>
+            <a:r>
+              <a:rPr lang="en-US" dirty="0" err="1"/>
               <a:t>változtatjuk</a:t>
             </a:r>
             <a:r>
-              <a:rPr lang="en-US" dirty="0" smtClean="0"/>
-              <a:t> </a:t>
-            </a:r>
-            <a:r>
-              <a:rPr lang="en-US" dirty="0" err="1" smtClean="0"/>
+              <a:rPr lang="en-US" dirty="0"/>
+              <a:t> </a:t>
+            </a:r>
+            <a:r>
+              <a:rPr lang="en-US" dirty="0" err="1"/>
               <a:t>annál</a:t>
             </a:r>
             <a:r>
-              <a:rPr lang="en-US" dirty="0" smtClean="0"/>
-              <a:t> </a:t>
-            </a:r>
-            <a:r>
-              <a:rPr lang="en-US" dirty="0" err="1" smtClean="0"/>
+              <a:rPr lang="en-US" dirty="0"/>
+              <a:t> </a:t>
+            </a:r>
+            <a:r>
+              <a:rPr lang="en-US" dirty="0" err="1"/>
               <a:t>hátrébb</a:t>
             </a:r>
             <a:r>
-              <a:rPr lang="en-US" dirty="0" smtClean="0"/>
+              <a:rPr lang="en-US" dirty="0"/>
               <a:t> van a </a:t>
             </a:r>
             <a:r>
-              <a:rPr lang="en-US" dirty="0" err="1" smtClean="0"/>
+              <a:rPr lang="en-US" dirty="0" err="1"/>
               <a:t>listában</a:t>
             </a:r>
             <a:r>
-              <a:rPr lang="en-US" dirty="0" smtClean="0"/>
+              <a:rPr lang="en-US" dirty="0"/>
               <a:t>, </a:t>
             </a:r>
             <a:r>
-              <a:rPr lang="en-US" dirty="0" err="1" smtClean="0"/>
+              <a:rPr lang="en-US" dirty="0" err="1"/>
               <a:t>ez</a:t>
             </a:r>
             <a:r>
-              <a:rPr lang="en-US" dirty="0" smtClean="0"/>
-              <a:t> </a:t>
-            </a:r>
-            <a:r>
-              <a:rPr lang="en-US" dirty="0" err="1" smtClean="0"/>
+              <a:rPr lang="en-US" dirty="0"/>
+              <a:t> </a:t>
+            </a:r>
+            <a:r>
+              <a:rPr lang="en-US" dirty="0" err="1"/>
               <a:t>csak</a:t>
             </a:r>
             <a:r>
-              <a:rPr lang="en-US" dirty="0" smtClean="0"/>
-              <a:t> </a:t>
-            </a:r>
-            <a:r>
-              <a:rPr lang="en-US" dirty="0" err="1" smtClean="0"/>
+              <a:rPr lang="en-US" dirty="0"/>
+              <a:t> </a:t>
+            </a:r>
+            <a:r>
+              <a:rPr lang="en-US" dirty="0" err="1"/>
               <a:t>egy</a:t>
             </a:r>
             <a:r>
-              <a:rPr lang="en-US" dirty="0" smtClean="0"/>
-              <a:t> </a:t>
-            </a:r>
-            <a:r>
-              <a:rPr lang="en-US" dirty="0" err="1" smtClean="0"/>
+              <a:rPr lang="en-US" dirty="0"/>
+              <a:t> </a:t>
+            </a:r>
+            <a:r>
+              <a:rPr lang="en-US" dirty="0" err="1"/>
               <a:t>érdekesség</a:t>
             </a:r>
             <a:r>
-              <a:rPr lang="en-US" dirty="0" smtClean="0"/>
+              <a:rPr lang="en-US" dirty="0"/>
               <a:t>, mi </a:t>
             </a:r>
             <a:r>
-              <a:rPr lang="en-US" dirty="0" err="1" smtClean="0"/>
+              <a:rPr lang="en-US" dirty="0" err="1"/>
               <a:t>nem</a:t>
             </a:r>
             <a:r>
-              <a:rPr lang="en-US" dirty="0" smtClean="0"/>
-              <a:t> </a:t>
-            </a:r>
-            <a:r>
-              <a:rPr lang="en-US" dirty="0" err="1" smtClean="0"/>
+              <a:rPr lang="en-US" dirty="0"/>
+              <a:t> </a:t>
+            </a:r>
+            <a:r>
+              <a:rPr lang="en-US" dirty="0" err="1"/>
               <a:t>fogunk</a:t>
             </a:r>
             <a:r>
-              <a:rPr lang="en-US" dirty="0" smtClean="0"/>
-              <a:t> </a:t>
-            </a:r>
-            <a:r>
-              <a:rPr lang="en-US" dirty="0" err="1" smtClean="0"/>
+              <a:rPr lang="en-US" dirty="0"/>
+              <a:t> </a:t>
+            </a:r>
+            <a:r>
+              <a:rPr lang="en-US" dirty="0" err="1"/>
               <a:t>ilyennel</a:t>
             </a:r>
             <a:r>
-              <a:rPr lang="en-US" dirty="0" smtClean="0"/>
-              <a:t> </a:t>
-            </a:r>
-            <a:r>
-              <a:rPr lang="en-US" dirty="0" err="1" smtClean="0"/>
+              <a:rPr lang="en-US" dirty="0"/>
+              <a:t> </a:t>
+            </a:r>
+            <a:r>
+              <a:rPr lang="en-US" dirty="0" err="1"/>
               <a:t>foglalkozni</a:t>
             </a:r>
             <a:r>
-              <a:rPr lang="en-US" dirty="0" smtClean="0"/>
+              <a:rPr lang="en-US" dirty="0"/>
               <a:t>)</a:t>
             </a:r>
           </a:p>
@@ -11788,7 +11788,7 @@
             <a:fld id="{77DAEA1A-6276-4434-840E-9C81C04BC3C1}" type="datetimeFigureOut">
               <a:rPr lang="en-US" smtClean="0"/>
               <a:pPr/>
-              <a:t>9/30/2020</a:t>
+              <a:t>10/3/2021</a:t>
             </a:fld>
             <a:endParaRPr lang="en-US"/>
           </a:p>
@@ -12342,7 +12342,7 @@
           <p:cNvPr id="4" name="Tartalom helye 2">
             <a:extLst>
               <a:ext uri="{FF2B5EF4-FFF2-40B4-BE49-F238E27FC236}">
-                <a16:creationId xmlns:a16="http://schemas.microsoft.com/office/drawing/2014/main" xmlns="" id="{6656AE22-C593-43CD-BEF3-6FFD0E284A64}"/>
+                <a16:creationId xmlns:a16="http://schemas.microsoft.com/office/drawing/2014/main" id="{6656AE22-C593-43CD-BEF3-6FFD0E284A64}"/>
               </a:ext>
             </a:extLst>
           </p:cNvPr>
@@ -12474,7 +12474,7 @@
           <p:cNvPr id="4" name="Tartalom helye 2">
             <a:extLst>
               <a:ext uri="{FF2B5EF4-FFF2-40B4-BE49-F238E27FC236}">
-                <a16:creationId xmlns:a16="http://schemas.microsoft.com/office/drawing/2014/main" xmlns="" id="{6656AE22-C593-43CD-BEF3-6FFD0E284A64}"/>
+                <a16:creationId xmlns:a16="http://schemas.microsoft.com/office/drawing/2014/main" id="{6656AE22-C593-43CD-BEF3-6FFD0E284A64}"/>
               </a:ext>
             </a:extLst>
           </p:cNvPr>
@@ -12708,7 +12708,7 @@
           <p:cNvPr id="6" name="Title 5">
             <a:extLst>
               <a:ext uri="{FF2B5EF4-FFF2-40B4-BE49-F238E27FC236}">
-                <a16:creationId xmlns:a16="http://schemas.microsoft.com/office/drawing/2014/main" xmlns="" id="{13397F04-F22D-49B7-9111-3E764FC17708}"/>
+                <a16:creationId xmlns:a16="http://schemas.microsoft.com/office/drawing/2014/main" id="{13397F04-F22D-49B7-9111-3E764FC17708}"/>
               </a:ext>
             </a:extLst>
           </p:cNvPr>
@@ -12958,7 +12958,7 @@
           <p:cNvPr id="6" name="Title 5">
             <a:extLst>
               <a:ext uri="{FF2B5EF4-FFF2-40B4-BE49-F238E27FC236}">
-                <a16:creationId xmlns:a16="http://schemas.microsoft.com/office/drawing/2014/main" xmlns="" id="{13397F04-F22D-49B7-9111-3E764FC17708}"/>
+                <a16:creationId xmlns:a16="http://schemas.microsoft.com/office/drawing/2014/main" id="{13397F04-F22D-49B7-9111-3E764FC17708}"/>
               </a:ext>
             </a:extLst>
           </p:cNvPr>
@@ -13077,16 +13077,12 @@
           </a:p>
           <a:p>
             <a:r>
-              <a:rPr lang="en-US" sz="2000" dirty="0" err="1" smtClean="0"/>
+              <a:rPr lang="en-US" sz="2000" dirty="0" err="1"/>
               <a:t>tex</a:t>
             </a:r>
             <a:r>
-              <a:rPr lang="en-US" sz="2000" dirty="0" smtClean="0"/>
-              <a:t> </a:t>
-            </a:r>
-            <a:r>
               <a:rPr lang="en-US" sz="2000" dirty="0"/>
-              <a:t>= Egg::Importer::ImportTexture2D(</a:t>
+              <a:t> = Egg::Importer::ImportTexture2D(</a:t>
             </a:r>
             <a:r>
               <a:rPr lang="en-US" sz="2000" dirty="0" err="1"/>
@@ -13120,16 +13116,12 @@
             </a:r>
             <a:r>
               <a:rPr lang="en-US" sz="2000" dirty="0"/>
-              <a:t>(), 0</a:t>
-            </a:r>
-            <a:r>
-              <a:rPr lang="en-US" sz="2000" dirty="0" smtClean="0"/>
-              <a:t>);</a:t>
-            </a:r>
-          </a:p>
-          <a:p>
-            <a:r>
-              <a:rPr lang="en-US" sz="2000" dirty="0" smtClean="0">
+              <a:t>(), 0);</a:t>
+            </a:r>
+          </a:p>
+          <a:p>
+            <a:r>
+              <a:rPr lang="en-US" sz="2000" dirty="0">
                 <a:solidFill>
                   <a:srgbClr val="0070C0"/>
                 </a:solidFill>
@@ -13137,7 +13129,7 @@
               <a:t>// ide j</a:t>
             </a:r>
             <a:r>
-              <a:rPr lang="hu-HU" sz="2000" dirty="0" smtClean="0">
+              <a:rPr lang="hu-HU" sz="2000" dirty="0">
                 <a:solidFill>
                   <a:srgbClr val="0070C0"/>
                 </a:solidFill>
@@ -13156,17 +13148,17 @@
               <a:t>UploadResources</a:t>
             </a:r>
             <a:r>
-              <a:rPr lang="en-US" sz="2000" dirty="0" smtClean="0"/>
+              <a:rPr lang="en-US" sz="2000" dirty="0"/>
               <a:t>();</a:t>
             </a:r>
-            <a:endParaRPr lang="hu-HU" sz="2000" dirty="0" smtClean="0"/>
-          </a:p>
-          <a:p>
             <a:endParaRPr lang="hu-HU" sz="2000" dirty="0"/>
           </a:p>
           <a:p>
-            <a:r>
-              <a:rPr lang="hu-HU" sz="2000" dirty="0" smtClean="0">
+            <a:endParaRPr lang="hu-HU" sz="2000" dirty="0"/>
+          </a:p>
+          <a:p>
+            <a:r>
+              <a:rPr lang="hu-HU" sz="2000" dirty="0">
                 <a:solidFill>
                   <a:srgbClr val="0070C0"/>
                 </a:solidFill>
@@ -13215,7 +13207,7 @@
           <p:cNvPr id="6" name="Title 5">
             <a:extLst>
               <a:ext uri="{FF2B5EF4-FFF2-40B4-BE49-F238E27FC236}">
-                <a16:creationId xmlns:a16="http://schemas.microsoft.com/office/drawing/2014/main" xmlns="" id="{13397F04-F22D-49B7-9111-3E764FC17708}"/>
+                <a16:creationId xmlns:a16="http://schemas.microsoft.com/office/drawing/2014/main" id="{13397F04-F22D-49B7-9111-3E764FC17708}"/>
               </a:ext>
             </a:extLst>
           </p:cNvPr>
@@ -13563,7 +13555,7 @@
           <p:cNvPr id="6" name="Title 5">
             <a:extLst>
               <a:ext uri="{FF2B5EF4-FFF2-40B4-BE49-F238E27FC236}">
-                <a16:creationId xmlns:a16="http://schemas.microsoft.com/office/drawing/2014/main" xmlns="" id="{13397F04-F22D-49B7-9111-3E764FC17708}"/>
+                <a16:creationId xmlns:a16="http://schemas.microsoft.com/office/drawing/2014/main" id="{13397F04-F22D-49B7-9111-3E764FC17708}"/>
               </a:ext>
             </a:extLst>
           </p:cNvPr>
@@ -13653,7 +13645,7 @@
           <p:cNvPr id="4" name="Tartalom helye 2">
             <a:extLst>
               <a:ext uri="{FF2B5EF4-FFF2-40B4-BE49-F238E27FC236}">
-                <a16:creationId xmlns:a16="http://schemas.microsoft.com/office/drawing/2014/main" xmlns="" id="{6656AE22-C593-43CD-BEF3-6FFD0E284A64}"/>
+                <a16:creationId xmlns:a16="http://schemas.microsoft.com/office/drawing/2014/main" id="{6656AE22-C593-43CD-BEF3-6FFD0E284A64}"/>
               </a:ext>
             </a:extLst>
           </p:cNvPr>
@@ -13849,15 +13841,6 @@
           </a:bodyPr>
           <a:lstStyle/>
           <a:p>
-            <a:endParaRPr lang="hu-HU" sz="2800" dirty="0" smtClean="0">
-              <a:solidFill>
-                <a:schemeClr val="accent1">
-                  <a:lumMod val="75000"/>
-                </a:schemeClr>
-              </a:solidFill>
-            </a:endParaRPr>
-          </a:p>
-          <a:p>
             <a:endParaRPr lang="hu-HU" sz="2800" dirty="0">
               <a:solidFill>
                 <a:schemeClr val="accent1">
@@ -13867,6 +13850,15 @@
             </a:endParaRPr>
           </a:p>
           <a:p>
+            <a:endParaRPr lang="hu-HU" sz="2800" dirty="0">
+              <a:solidFill>
+                <a:schemeClr val="accent1">
+                  <a:lumMod val="75000"/>
+                </a:schemeClr>
+              </a:solidFill>
+            </a:endParaRPr>
+          </a:p>
+          <a:p>
             <a:endParaRPr lang="en-US" sz="2800" dirty="0">
               <a:solidFill>
                 <a:schemeClr val="accent1">
@@ -13877,7 +13869,7 @@
           </a:p>
           <a:p>
             <a:r>
-              <a:rPr lang="en-US" sz="2800" dirty="0" smtClean="0">
+              <a:rPr lang="en-US" sz="2800" dirty="0">
                 <a:solidFill>
                   <a:srgbClr val="00B050"/>
                 </a:solidFill>
@@ -13885,22 +13877,17 @@
               <a:t>//</a:t>
             </a:r>
             <a:r>
-              <a:rPr lang="hu-HU" sz="2800" dirty="0" smtClean="0">
+              <a:rPr lang="hu-HU" sz="2800" dirty="0">
                 <a:solidFill>
                   <a:srgbClr val="00B050"/>
                 </a:solidFill>
               </a:rPr>
               <a:t>nem kell új kód</a:t>
             </a:r>
-            <a:endParaRPr lang="hu-HU" sz="2800" dirty="0" smtClean="0">
-              <a:solidFill>
-                <a:srgbClr val="00B050"/>
-              </a:solidFill>
-            </a:endParaRPr>
-          </a:p>
-          <a:p>
-            <a:r>
-              <a:rPr lang="en-US" sz="2800" dirty="0" err="1" smtClean="0">
+          </a:p>
+          <a:p>
+            <a:r>
+              <a:rPr lang="en-US" sz="2800" dirty="0" err="1">
                 <a:solidFill>
                   <a:schemeClr val="bg1">
                     <a:lumMod val="50000"/>
@@ -13910,16 +13897,6 @@
               <a:t>shadedMesh</a:t>
             </a:r>
             <a:r>
-              <a:rPr lang="en-US" sz="2800" dirty="0" smtClean="0">
-                <a:solidFill>
-                  <a:schemeClr val="bg1">
-                    <a:lumMod val="50000"/>
-                  </a:schemeClr>
-                </a:solidFill>
-              </a:rPr>
-              <a:t>-</a:t>
-            </a:r>
-            <a:r>
               <a:rPr lang="en-US" sz="2800" dirty="0">
                 <a:solidFill>
                   <a:schemeClr val="bg1">
@@ -13927,7 +13904,7 @@
                   </a:schemeClr>
                 </a:solidFill>
               </a:rPr>
-              <a:t>&gt;Draw(</a:t>
+              <a:t>-&gt;Draw(</a:t>
             </a:r>
             <a:r>
               <a:rPr lang="en-US" sz="2800" dirty="0" err="1">
@@ -13964,7 +13941,7 @@
           <p:cNvPr id="6" name="Title 5">
             <a:extLst>
               <a:ext uri="{FF2B5EF4-FFF2-40B4-BE49-F238E27FC236}">
-                <a16:creationId xmlns:a16="http://schemas.microsoft.com/office/drawing/2014/main" xmlns="" id="{13397F04-F22D-49B7-9111-3E764FC17708}"/>
+                <a16:creationId xmlns:a16="http://schemas.microsoft.com/office/drawing/2014/main" id="{13397F04-F22D-49B7-9111-3E764FC17708}"/>
               </a:ext>
             </a:extLst>
           </p:cNvPr>
@@ -14054,7 +14031,7 @@
           <p:cNvPr id="4" name="Tartalom helye 2">
             <a:extLst>
               <a:ext uri="{FF2B5EF4-FFF2-40B4-BE49-F238E27FC236}">
-                <a16:creationId xmlns:a16="http://schemas.microsoft.com/office/drawing/2014/main" xmlns="" id="{6656AE22-C593-43CD-BEF3-6FFD0E284A64}"/>
+                <a16:creationId xmlns:a16="http://schemas.microsoft.com/office/drawing/2014/main" id="{6656AE22-C593-43CD-BEF3-6FFD0E284A64}"/>
               </a:ext>
             </a:extLst>
           </p:cNvPr>
@@ -14314,7 +14291,7 @@
           <p:cNvPr id="6" name="Title 5">
             <a:extLst>
               <a:ext uri="{FF2B5EF4-FFF2-40B4-BE49-F238E27FC236}">
-                <a16:creationId xmlns:a16="http://schemas.microsoft.com/office/drawing/2014/main" xmlns="" id="{13397F04-F22D-49B7-9111-3E764FC17708}"/>
+                <a16:creationId xmlns:a16="http://schemas.microsoft.com/office/drawing/2014/main" id="{13397F04-F22D-49B7-9111-3E764FC17708}"/>
               </a:ext>
             </a:extLst>
           </p:cNvPr>
@@ -14401,7 +14378,7 @@
           <p:cNvPr id="4" name="Tartalom helye 2">
             <a:extLst>
               <a:ext uri="{FF2B5EF4-FFF2-40B4-BE49-F238E27FC236}">
-                <a16:creationId xmlns:a16="http://schemas.microsoft.com/office/drawing/2014/main" xmlns="" id="{6656AE22-C593-43CD-BEF3-6FFD0E284A64}"/>
+                <a16:creationId xmlns:a16="http://schemas.microsoft.com/office/drawing/2014/main" id="{6656AE22-C593-43CD-BEF3-6FFD0E284A64}"/>
               </a:ext>
             </a:extLst>
           </p:cNvPr>
@@ -14528,17 +14505,17 @@
               <a:t>telepíteni</a:t>
             </a:r>
             <a:r>
-              <a:rPr lang="en-US" dirty="0" smtClean="0"/>
+              <a:rPr lang="en-US" dirty="0"/>
               <a:t>”</a:t>
             </a:r>
           </a:p>
           <a:p>
             <a:r>
-              <a:rPr lang="en-US" dirty="0" smtClean="0"/>
+              <a:rPr lang="en-US" dirty="0"/>
               <a:t>Benne van a le</a:t>
             </a:r>
             <a:r>
-              <a:rPr lang="hu-HU" dirty="0" smtClean="0"/>
+              <a:rPr lang="hu-HU" dirty="0"/>
               <a:t>tölthető projektben</a:t>
             </a:r>
             <a:endParaRPr lang="en-US" dirty="0"/>
@@ -14860,7 +14837,7 @@
           <p:cNvPr id="6" name="Title 5">
             <a:extLst>
               <a:ext uri="{FF2B5EF4-FFF2-40B4-BE49-F238E27FC236}">
-                <a16:creationId xmlns:a16="http://schemas.microsoft.com/office/drawing/2014/main" xmlns="" id="{13397F04-F22D-49B7-9111-3E764FC17708}"/>
+                <a16:creationId xmlns:a16="http://schemas.microsoft.com/office/drawing/2014/main" id="{13397F04-F22D-49B7-9111-3E764FC17708}"/>
               </a:ext>
             </a:extLst>
           </p:cNvPr>
@@ -15125,7 +15102,7 @@
           <p:cNvPr id="6" name="Title 5">
             <a:extLst>
               <a:ext uri="{FF2B5EF4-FFF2-40B4-BE49-F238E27FC236}">
-                <a16:creationId xmlns:a16="http://schemas.microsoft.com/office/drawing/2014/main" xmlns="" id="{13397F04-F22D-49B7-9111-3E764FC17708}"/>
+                <a16:creationId xmlns:a16="http://schemas.microsoft.com/office/drawing/2014/main" id="{13397F04-F22D-49B7-9111-3E764FC17708}"/>
               </a:ext>
             </a:extLst>
           </p:cNvPr>
@@ -15212,7 +15189,7 @@
           <p:cNvPr id="6" name="Picture 5">
             <a:extLst>
               <a:ext uri="{FF2B5EF4-FFF2-40B4-BE49-F238E27FC236}">
-                <a16:creationId xmlns:a16="http://schemas.microsoft.com/office/drawing/2014/main" xmlns="" id="{2DED1EE4-C309-417E-B7C7-17CC527E73F5}"/>
+                <a16:creationId xmlns:a16="http://schemas.microsoft.com/office/drawing/2014/main" id="{2DED1EE4-C309-417E-B7C7-17CC527E73F5}"/>
               </a:ext>
             </a:extLst>
           </p:cNvPr>
@@ -15283,7 +15260,7 @@
           <a:lstStyle/>
           <a:p>
             <a:r>
-              <a:rPr lang="hu-HU" dirty="0" smtClean="0"/>
+              <a:rPr lang="hu-HU" dirty="0"/>
               <a:t>Feladatok</a:t>
             </a:r>
             <a:endParaRPr lang="en-US" dirty="0"/>
@@ -15306,33 +15283,33 @@
           <a:lstStyle/>
           <a:p>
             <a:r>
-              <a:rPr lang="hu-HU" dirty="0" smtClean="0"/>
+              <a:rPr lang="hu-HU" dirty="0"/>
               <a:t>legyen két textúra bekötve</a:t>
             </a:r>
           </a:p>
           <a:p>
             <a:r>
-              <a:rPr lang="hu-HU" dirty="0" smtClean="0"/>
+              <a:rPr lang="hu-HU" dirty="0"/>
               <a:t>jelenjen meg a két textúra összege vagy szorzata a felületen</a:t>
             </a:r>
           </a:p>
           <a:p>
             <a:r>
-              <a:rPr lang="hu-HU" dirty="0" smtClean="0"/>
+              <a:rPr lang="hu-HU" dirty="0"/>
               <a:t>legyen az egyik textúra más léptékben</a:t>
             </a:r>
           </a:p>
           <a:p>
             <a:pPr lvl="1"/>
             <a:r>
-              <a:rPr lang="hu-HU" dirty="0" smtClean="0"/>
+              <a:rPr lang="hu-HU" dirty="0"/>
               <a:t>textúrakoordináták skálázása</a:t>
             </a:r>
           </a:p>
           <a:p>
             <a:pPr lvl="1"/>
             <a:r>
-              <a:rPr lang="hu-HU" smtClean="0"/>
+              <a:rPr lang="hu-HU"/>
               <a:t>detail texture</a:t>
             </a:r>
             <a:endParaRPr lang="en-US" dirty="0"/>
@@ -15401,7 +15378,7 @@
           <p:cNvPr id="5" name="Content Placeholder 4">
             <a:extLst>
               <a:ext uri="{FF2B5EF4-FFF2-40B4-BE49-F238E27FC236}">
-                <a16:creationId xmlns:a16="http://schemas.microsoft.com/office/drawing/2014/main" xmlns="" id="{79AB8665-F856-48AD-ADB2-DADA375E155B}"/>
+                <a16:creationId xmlns:a16="http://schemas.microsoft.com/office/drawing/2014/main" id="{79AB8665-F856-48AD-ADB2-DADA375E155B}"/>
               </a:ext>
             </a:extLst>
           </p:cNvPr>
@@ -15667,7 +15644,13 @@
               <a:t>tudjun</a:t>
             </a:r>
             <a:r>
-              <a:rPr lang="en-US" dirty="0">
+              <a:rPr lang="hu-HU">
+                <a:sym typeface="Wingdings" panose="05000000000000000000" pitchFamily="2" charset="2"/>
+              </a:rPr>
+              <a:t>k</a:t>
+            </a:r>
+            <a:r>
+              <a:rPr lang="en-US">
                 <a:sym typeface="Wingdings" panose="05000000000000000000" pitchFamily="2" charset="2"/>
               </a:rPr>
               <a:t> </a:t>
@@ -15748,7 +15731,7 @@
           <p:cNvPr id="4" name="Tartalom helye 2">
             <a:extLst>
               <a:ext uri="{FF2B5EF4-FFF2-40B4-BE49-F238E27FC236}">
-                <a16:creationId xmlns:a16="http://schemas.microsoft.com/office/drawing/2014/main" xmlns="" id="{6656AE22-C593-43CD-BEF3-6FFD0E284A64}"/>
+                <a16:creationId xmlns:a16="http://schemas.microsoft.com/office/drawing/2014/main" id="{6656AE22-C593-43CD-BEF3-6FFD0E284A64}"/>
               </a:ext>
             </a:extLst>
           </p:cNvPr>
@@ -16004,7 +15987,7 @@
           <p:cNvPr id="4" name="Tartalom helye 2">
             <a:extLst>
               <a:ext uri="{FF2B5EF4-FFF2-40B4-BE49-F238E27FC236}">
-                <a16:creationId xmlns:a16="http://schemas.microsoft.com/office/drawing/2014/main" xmlns="" id="{6656AE22-C593-43CD-BEF3-6FFD0E284A64}"/>
+                <a16:creationId xmlns:a16="http://schemas.microsoft.com/office/drawing/2014/main" id="{6656AE22-C593-43CD-BEF3-6FFD0E284A64}"/>
               </a:ext>
             </a:extLst>
           </p:cNvPr>
@@ -16112,39 +16095,35 @@
               <a:t> Egg </a:t>
             </a:r>
             <a:r>
-              <a:rPr lang="hu-HU" dirty="0" smtClean="0"/>
+              <a:rPr lang="hu-HU" dirty="0"/>
               <a:t>intézi ez az</a:t>
             </a:r>
             <a:r>
-              <a:rPr lang="en-US" dirty="0" smtClean="0"/>
-              <a:t> </a:t>
-            </a:r>
-            <a:r>
-              <a:rPr lang="en-US" dirty="0" err="1" smtClean="0"/>
+              <a:rPr lang="en-US" dirty="0"/>
+              <a:t> </a:t>
+            </a:r>
+            <a:r>
+              <a:rPr lang="en-US" dirty="0" err="1"/>
               <a:t>importálást</a:t>
             </a:r>
             <a:r>
-              <a:rPr lang="hu-HU" dirty="0" smtClean="0"/>
+              <a:rPr lang="hu-HU" dirty="0"/>
               <a:t> is (ahogy a modelleket)</a:t>
             </a:r>
             <a:endParaRPr lang="en-US" dirty="0"/>
           </a:p>
           <a:p>
             <a:r>
-              <a:rPr lang="hu-HU" dirty="0" smtClean="0"/>
+              <a:rPr lang="hu-HU" dirty="0"/>
               <a:t>K</a:t>
             </a:r>
             <a:r>
-              <a:rPr lang="en-US" dirty="0" err="1" smtClean="0"/>
+              <a:rPr lang="en-US" dirty="0" err="1"/>
               <a:t>onfigurációs</a:t>
             </a:r>
             <a:r>
-              <a:rPr lang="en-US" dirty="0" smtClean="0"/>
-              <a:t> lap </a:t>
-            </a:r>
-            <a:r>
-              <a:rPr lang="en-US" dirty="0"/>
-              <a:t>a Property Manager </a:t>
+              <a:rPr lang="en-US" dirty="0"/>
+              <a:t> lap a Property Manager </a:t>
             </a:r>
             <a:r>
               <a:rPr lang="en-US" dirty="0" err="1"/>
@@ -16154,7 +16133,7 @@
           </a:p>
           <a:p>
             <a:r>
-              <a:rPr lang="en-US" dirty="0" smtClean="0"/>
+              <a:rPr lang="en-US" dirty="0"/>
               <a:t>Include </a:t>
             </a:r>
             <a:r>
@@ -16182,26 +16161,17 @@
               <a:t> </a:t>
             </a:r>
             <a:r>
-              <a:rPr lang="en-US" dirty="0" err="1" smtClean="0"/>
+              <a:rPr lang="en-US" dirty="0" err="1"/>
               <a:t>könyvtárak</a:t>
             </a:r>
             <a:r>
-              <a:rPr lang="hu-HU" dirty="0" smtClean="0"/>
+              <a:rPr lang="hu-HU" dirty="0"/>
               <a:t> hozzáadva</a:t>
             </a:r>
             <a:r>
-              <a:rPr lang="en-US" dirty="0" smtClean="0"/>
-              <a:t> </a:t>
-            </a:r>
-            <a:r>
-              <a:rPr lang="en-US" dirty="0"/>
-              <a:t>(include, lib</a:t>
-            </a:r>
-            <a:r>
-              <a:rPr lang="en-US" dirty="0" smtClean="0"/>
-              <a:t>)</a:t>
-            </a:r>
-            <a:endParaRPr lang="en-US" dirty="0"/>
+              <a:rPr lang="en-US" dirty="0"/>
+              <a:t> (include, lib)</a:t>
+            </a:r>
           </a:p>
         </p:txBody>
       </p:sp>
@@ -16262,7 +16232,7 @@
           <p:cNvPr id="4" name="Tartalom helye 2">
             <a:extLst>
               <a:ext uri="{FF2B5EF4-FFF2-40B4-BE49-F238E27FC236}">
-                <a16:creationId xmlns:a16="http://schemas.microsoft.com/office/drawing/2014/main" xmlns="" id="{6656AE22-C593-43CD-BEF3-6FFD0E284A64}"/>
+                <a16:creationId xmlns:a16="http://schemas.microsoft.com/office/drawing/2014/main" id="{6656AE22-C593-43CD-BEF3-6FFD0E284A64}"/>
               </a:ext>
             </a:extLst>
           </p:cNvPr>
@@ -16544,7 +16514,7 @@
           <p:cNvPr id="6" name="Title 5">
             <a:extLst>
               <a:ext uri="{FF2B5EF4-FFF2-40B4-BE49-F238E27FC236}">
-                <a16:creationId xmlns:a16="http://schemas.microsoft.com/office/drawing/2014/main" xmlns="" id="{13397F04-F22D-49B7-9111-3E764FC17708}"/>
+                <a16:creationId xmlns:a16="http://schemas.microsoft.com/office/drawing/2014/main" id="{13397F04-F22D-49B7-9111-3E764FC17708}"/>
               </a:ext>
             </a:extLst>
           </p:cNvPr>
@@ -16777,7 +16747,7 @@
           <p:cNvPr id="6" name="Title 5">
             <a:extLst>
               <a:ext uri="{FF2B5EF4-FFF2-40B4-BE49-F238E27FC236}">
-                <a16:creationId xmlns:a16="http://schemas.microsoft.com/office/drawing/2014/main" xmlns="" id="{13397F04-F22D-49B7-9111-3E764FC17708}"/>
+                <a16:creationId xmlns:a16="http://schemas.microsoft.com/office/drawing/2014/main" id="{13397F04-F22D-49B7-9111-3E764FC17708}"/>
               </a:ext>
             </a:extLst>
           </p:cNvPr>
@@ -16992,7 +16962,7 @@
           <p:cNvPr id="6" name="Title 5">
             <a:extLst>
               <a:ext uri="{FF2B5EF4-FFF2-40B4-BE49-F238E27FC236}">
-                <a16:creationId xmlns:a16="http://schemas.microsoft.com/office/drawing/2014/main" xmlns="" id="{13397F04-F22D-49B7-9111-3E764FC17708}"/>
+                <a16:creationId xmlns:a16="http://schemas.microsoft.com/office/drawing/2014/main" id="{13397F04-F22D-49B7-9111-3E764FC17708}"/>
               </a:ext>
             </a:extLst>
           </p:cNvPr>
@@ -17090,7 +17060,7 @@
           <p:cNvPr id="4" name="Tartalom helye 2">
             <a:extLst>
               <a:ext uri="{FF2B5EF4-FFF2-40B4-BE49-F238E27FC236}">
-                <a16:creationId xmlns:a16="http://schemas.microsoft.com/office/drawing/2014/main" xmlns="" id="{6656AE22-C593-43CD-BEF3-6FFD0E284A64}"/>
+                <a16:creationId xmlns:a16="http://schemas.microsoft.com/office/drawing/2014/main" id="{6656AE22-C593-43CD-BEF3-6FFD0E284A64}"/>
               </a:ext>
             </a:extLst>
           </p:cNvPr>
